--- a/lessons/Lesson_6.pptx
+++ b/lessons/Lesson_6.pptx
@@ -5,7 +5,7 @@
     <p:sldMasterId id="2147483661" r:id="rId1"/>
   </p:sldMasterIdLst>
   <p:notesMasterIdLst>
-    <p:notesMasterId r:id="rId14"/>
+    <p:notesMasterId r:id="rId13"/>
   </p:notesMasterIdLst>
   <p:sldIdLst>
     <p:sldId id="256" r:id="rId2"/>
@@ -15,40 +15,41 @@
     <p:sldId id="312" r:id="rId6"/>
     <p:sldId id="314" r:id="rId7"/>
     <p:sldId id="313" r:id="rId8"/>
-    <p:sldId id="315" r:id="rId9"/>
+    <p:sldId id="316" r:id="rId9"/>
     <p:sldId id="287" r:id="rId10"/>
-    <p:sldId id="310" r:id="rId11"/>
-    <p:sldId id="296" r:id="rId12"/>
-    <p:sldId id="298" r:id="rId13"/>
+    <p:sldId id="317" r:id="rId11"/>
+    <p:sldId id="298" r:id="rId12"/>
   </p:sldIdLst>
   <p:sldSz cx="9144000" cy="5143500" type="screen16x9"/>
   <p:notesSz cx="6858000" cy="9144000"/>
   <p:embeddedFontLst>
     <p:embeddedFont>
       <p:font typeface="Calibri" panose="020F0502020204030204" pitchFamily="34" charset="0"/>
-      <p:regular r:id="rId15"/>
-      <p:bold r:id="rId16"/>
-      <p:italic r:id="rId17"/>
-      <p:boldItalic r:id="rId18"/>
+      <p:regular r:id="rId14"/>
+      <p:bold r:id="rId15"/>
+      <p:italic r:id="rId16"/>
+      <p:boldItalic r:id="rId17"/>
     </p:embeddedFont>
     <p:embeddedFont>
       <p:font typeface="Georgia" panose="02040502050405020303" pitchFamily="18" charset="0"/>
-      <p:regular r:id="rId19"/>
-      <p:bold r:id="rId20"/>
-      <p:italic r:id="rId21"/>
-      <p:boldItalic r:id="rId22"/>
+      <p:regular r:id="rId18"/>
+      <p:bold r:id="rId19"/>
+      <p:italic r:id="rId20"/>
+      <p:boldItalic r:id="rId21"/>
     </p:embeddedFont>
     <p:embeddedFont>
       <p:font typeface="Nunito Sans" panose="020B0604020202020204" charset="0"/>
-      <p:regular r:id="rId23"/>
-      <p:bold r:id="rId24"/>
-      <p:italic r:id="rId25"/>
-      <p:boldItalic r:id="rId26"/>
+      <p:regular r:id="rId22"/>
+      <p:bold r:id="rId23"/>
+      <p:italic r:id="rId24"/>
+      <p:boldItalic r:id="rId25"/>
     </p:embeddedFont>
     <p:embeddedFont>
-      <p:font typeface="Microsoft YaHei UI" panose="020B0503020204020204" pitchFamily="34" charset="-122"/>
-      <p:regular r:id="rId27"/>
-      <p:bold r:id="rId28"/>
+      <p:font typeface="Helvetica" panose="020B0604020202020204" pitchFamily="34" charset="0"/>
+      <p:regular r:id="rId26"/>
+      <p:bold r:id="rId27"/>
+      <p:italic r:id="rId28"/>
+      <p:boldItalic r:id="rId29"/>
     </p:embeddedFont>
   </p:embeddedFontLst>
   <p:defaultTextStyle>
@@ -652,7 +653,7 @@
   <p:cSld>
     <p:spTree>
       <p:nvGrpSpPr>
-        <p:cNvPr id="1" name="Shape 117"/>
+        <p:cNvPr id="1" name="Shape 177"/>
         <p:cNvGrpSpPr/>
         <p:nvPr/>
       </p:nvGrpSpPr>
@@ -666,7 +667,7 @@
       </p:grpSpPr>
       <p:sp>
         <p:nvSpPr>
-          <p:cNvPr id="118" name="Shape 118"/>
+          <p:cNvPr id="178" name="Shape 178"/>
           <p:cNvSpPr>
             <a:spLocks noGrp="1" noRot="1" noChangeAspect="1"/>
           </p:cNvSpPr>
@@ -707,7 +708,7 @@
       </p:sp>
       <p:sp>
         <p:nvSpPr>
-          <p:cNvPr id="119" name="Shape 119"/>
+          <p:cNvPr id="179" name="Shape 179"/>
           <p:cNvSpPr txBox="1">
             <a:spLocks noGrp="1"/>
           </p:cNvSpPr>
@@ -743,7 +744,7 @@
     </p:spTree>
     <p:extLst>
       <p:ext uri="{BB962C8B-B14F-4D97-AF65-F5344CB8AC3E}">
-        <p14:creationId xmlns:p14="http://schemas.microsoft.com/office/powerpoint/2010/main" val="4121068539"/>
+        <p14:creationId xmlns:p14="http://schemas.microsoft.com/office/powerpoint/2010/main" val="228362052"/>
       </p:ext>
     </p:extLst>
   </p:cSld>
@@ -754,112 +755,6 @@
 </file>
 
 <file path=ppt/notesSlides/notesSlide11.xml><?xml version="1.0" encoding="utf-8"?>
-<p:notes xmlns:a="http://schemas.openxmlformats.org/drawingml/2006/main" xmlns:r="http://schemas.openxmlformats.org/officeDocument/2006/relationships" xmlns:p="http://schemas.openxmlformats.org/presentationml/2006/main" showMasterSp="0" showMasterPhAnim="0">
-  <p:cSld>
-    <p:spTree>
-      <p:nvGrpSpPr>
-        <p:cNvPr id="1" name="Shape 117"/>
-        <p:cNvGrpSpPr/>
-        <p:nvPr/>
-      </p:nvGrpSpPr>
-      <p:grpSpPr>
-        <a:xfrm>
-          <a:off x="0" y="0"/>
-          <a:ext cx="0" cy="0"/>
-          <a:chOff x="0" y="0"/>
-          <a:chExt cx="0" cy="0"/>
-        </a:xfrm>
-      </p:grpSpPr>
-      <p:sp>
-        <p:nvSpPr>
-          <p:cNvPr id="118" name="Shape 118"/>
-          <p:cNvSpPr>
-            <a:spLocks noGrp="1" noRot="1" noChangeAspect="1"/>
-          </p:cNvSpPr>
-          <p:nvPr>
-            <p:ph type="sldImg" idx="2"/>
-          </p:nvPr>
-        </p:nvSpPr>
-        <p:spPr>
-          <a:xfrm>
-            <a:off x="381000" y="685800"/>
-            <a:ext cx="6096000" cy="3429000"/>
-          </a:xfrm>
-          <a:custGeom>
-            <a:avLst/>
-            <a:gdLst/>
-            <a:ahLst/>
-            <a:cxnLst/>
-            <a:rect l="0" t="0" r="0" b="0"/>
-            <a:pathLst>
-              <a:path w="120000" h="120000" extrusionOk="0">
-                <a:moveTo>
-                  <a:pt x="0" y="0"/>
-                </a:moveTo>
-                <a:lnTo>
-                  <a:pt x="120000" y="0"/>
-                </a:lnTo>
-                <a:lnTo>
-                  <a:pt x="120000" y="120000"/>
-                </a:lnTo>
-                <a:lnTo>
-                  <a:pt x="0" y="120000"/>
-                </a:lnTo>
-                <a:close/>
-              </a:path>
-            </a:pathLst>
-          </a:custGeom>
-        </p:spPr>
-      </p:sp>
-      <p:sp>
-        <p:nvSpPr>
-          <p:cNvPr id="119" name="Shape 119"/>
-          <p:cNvSpPr txBox="1">
-            <a:spLocks noGrp="1"/>
-          </p:cNvSpPr>
-          <p:nvPr>
-            <p:ph type="body" idx="1"/>
-          </p:nvPr>
-        </p:nvSpPr>
-        <p:spPr>
-          <a:xfrm>
-            <a:off x="685800" y="4343400"/>
-            <a:ext cx="5486400" cy="4114800"/>
-          </a:xfrm>
-          <a:prstGeom prst="rect">
-            <a:avLst/>
-          </a:prstGeom>
-        </p:spPr>
-        <p:txBody>
-          <a:bodyPr wrap="square" lIns="91425" tIns="91425" rIns="91425" bIns="91425" anchor="t" anchorCtr="0">
-            <a:noAutofit/>
-          </a:bodyPr>
-          <a:lstStyle/>
-          <a:p>
-            <a:pPr marL="0" lvl="0" indent="0">
-              <a:spcBef>
-                <a:spcPts val="0"/>
-              </a:spcBef>
-              <a:buNone/>
-            </a:pPr>
-            <a:endParaRPr/>
-          </a:p>
-        </p:txBody>
-      </p:sp>
-    </p:spTree>
-    <p:extLst>
-      <p:ext uri="{BB962C8B-B14F-4D97-AF65-F5344CB8AC3E}">
-        <p14:creationId xmlns:p14="http://schemas.microsoft.com/office/powerpoint/2010/main" val="292716071"/>
-      </p:ext>
-    </p:extLst>
-  </p:cSld>
-  <p:clrMapOvr>
-    <a:masterClrMapping/>
-  </p:clrMapOvr>
-</p:notes>
-</file>
-
-<file path=ppt/notesSlides/notesSlide12.xml><?xml version="1.0" encoding="utf-8"?>
 <p:notes xmlns:a="http://schemas.openxmlformats.org/drawingml/2006/main" xmlns:r="http://schemas.openxmlformats.org/officeDocument/2006/relationships" xmlns:p="http://schemas.openxmlformats.org/presentationml/2006/main" showMasterSp="0" showMasterPhAnim="0">
   <p:cSld>
     <p:spTree>
@@ -1606,7 +1501,7 @@
   <p:cSld>
     <p:spTree>
       <p:nvGrpSpPr>
-        <p:cNvPr id="1" name="Shape 177"/>
+        <p:cNvPr id="1" name="Shape 139"/>
         <p:cNvGrpSpPr/>
         <p:nvPr/>
       </p:nvGrpSpPr>
@@ -1620,7 +1515,7 @@
       </p:grpSpPr>
       <p:sp>
         <p:nvSpPr>
-          <p:cNvPr id="178" name="Shape 178"/>
+          <p:cNvPr id="140" name="Shape 140"/>
           <p:cNvSpPr>
             <a:spLocks noGrp="1" noRot="1" noChangeAspect="1"/>
           </p:cNvSpPr>
@@ -1661,7 +1556,7 @@
       </p:sp>
       <p:sp>
         <p:nvSpPr>
-          <p:cNvPr id="179" name="Shape 179"/>
+          <p:cNvPr id="141" name="Shape 141"/>
           <p:cNvSpPr txBox="1">
             <a:spLocks noGrp="1"/>
           </p:cNvSpPr>
@@ -1697,7 +1592,7 @@
     </p:spTree>
     <p:extLst>
       <p:ext uri="{BB962C8B-B14F-4D97-AF65-F5344CB8AC3E}">
-        <p14:creationId xmlns:p14="http://schemas.microsoft.com/office/powerpoint/2010/main" val="878670967"/>
+        <p14:creationId xmlns:p14="http://schemas.microsoft.com/office/powerpoint/2010/main" val="1712932301"/>
       </p:ext>
     </p:extLst>
   </p:cSld>
@@ -2634,649 +2529,6 @@
 
 <file path=ppt/slideLayouts/slideLayout3.xml><?xml version="1.0" encoding="utf-8"?>
 <p:sldLayout xmlns:a="http://schemas.openxmlformats.org/drawingml/2006/main" xmlns:r="http://schemas.openxmlformats.org/officeDocument/2006/relationships" xmlns:p="http://schemas.openxmlformats.org/presentationml/2006/main">
-  <p:cSld name="Table of contents">
-    <p:spTree>
-      <p:nvGrpSpPr>
-        <p:cNvPr id="1" name="Shape 19"/>
-        <p:cNvGrpSpPr/>
-        <p:nvPr/>
-      </p:nvGrpSpPr>
-      <p:grpSpPr>
-        <a:xfrm>
-          <a:off x="0" y="0"/>
-          <a:ext cx="0" cy="0"/>
-          <a:chOff x="0" y="0"/>
-          <a:chExt cx="0" cy="0"/>
-        </a:xfrm>
-      </p:grpSpPr>
-      <p:sp>
-        <p:nvSpPr>
-          <p:cNvPr id="20" name="Shape 20"/>
-          <p:cNvSpPr/>
-          <p:nvPr/>
-        </p:nvSpPr>
-        <p:spPr>
-          <a:xfrm flipH="1">
-            <a:off x="4568412" y="0"/>
-            <a:ext cx="4575600" cy="5143500"/>
-          </a:xfrm>
-          <a:prstGeom prst="rect">
-            <a:avLst/>
-          </a:prstGeom>
-          <a:solidFill>
-            <a:srgbClr val="FFFFFF"/>
-          </a:solidFill>
-          <a:ln>
-            <a:noFill/>
-          </a:ln>
-        </p:spPr>
-        <p:txBody>
-          <a:bodyPr wrap="square" lIns="91425" tIns="91425" rIns="91425" bIns="91425" anchor="ctr" anchorCtr="0">
-            <a:noAutofit/>
-          </a:bodyPr>
-          <a:lstStyle/>
-          <a:p>
-            <a:pPr marL="0" lvl="0" indent="0">
-              <a:spcBef>
-                <a:spcPts val="0"/>
-              </a:spcBef>
-              <a:buNone/>
-            </a:pPr>
-            <a:endParaRPr/>
-          </a:p>
-        </p:txBody>
-      </p:sp>
-      <p:sp>
-        <p:nvSpPr>
-          <p:cNvPr id="21" name="Shape 21"/>
-          <p:cNvSpPr txBox="1">
-            <a:spLocks noGrp="1"/>
-          </p:cNvSpPr>
-          <p:nvPr>
-            <p:ph type="subTitle" idx="1"/>
-          </p:nvPr>
-        </p:nvSpPr>
-        <p:spPr>
-          <a:xfrm>
-            <a:off x="646550" y="1989500"/>
-            <a:ext cx="3246900" cy="2126400"/>
-          </a:xfrm>
-          <a:prstGeom prst="rect">
-            <a:avLst/>
-          </a:prstGeom>
-        </p:spPr>
-        <p:txBody>
-          <a:bodyPr wrap="square" lIns="91425" tIns="91425" rIns="91425" bIns="91425" anchor="t" anchorCtr="0"/>
-          <a:lstStyle>
-            <a:lvl1pPr lvl="0" rtl="0">
-              <a:spcBef>
-                <a:spcPts val="0"/>
-              </a:spcBef>
-              <a:buClr>
-                <a:srgbClr val="FFFFFF"/>
-              </a:buClr>
-              <a:buSzPts val="1400"/>
-              <a:buFont typeface="Georgia"/>
-              <a:buNone/>
-              <a:defRPr i="1">
-                <a:solidFill>
-                  <a:srgbClr val="FFFFFF"/>
-                </a:solidFill>
-                <a:latin typeface="Georgia"/>
-                <a:ea typeface="Georgia"/>
-                <a:cs typeface="Georgia"/>
-                <a:sym typeface="Georgia"/>
-              </a:defRPr>
-            </a:lvl1pPr>
-            <a:lvl2pPr lvl="1" rtl="0">
-              <a:spcBef>
-                <a:spcPts val="0"/>
-              </a:spcBef>
-              <a:buClr>
-                <a:srgbClr val="FFFFFF"/>
-              </a:buClr>
-              <a:buSzPts val="3000"/>
-              <a:buFont typeface="Georgia"/>
-              <a:buNone/>
-              <a:defRPr sz="3000" i="1">
-                <a:solidFill>
-                  <a:srgbClr val="FFFFFF"/>
-                </a:solidFill>
-                <a:latin typeface="Georgia"/>
-                <a:ea typeface="Georgia"/>
-                <a:cs typeface="Georgia"/>
-                <a:sym typeface="Georgia"/>
-              </a:defRPr>
-            </a:lvl2pPr>
-            <a:lvl3pPr lvl="2" rtl="0">
-              <a:spcBef>
-                <a:spcPts val="0"/>
-              </a:spcBef>
-              <a:buClr>
-                <a:srgbClr val="FFFFFF"/>
-              </a:buClr>
-              <a:buSzPts val="3000"/>
-              <a:buFont typeface="Georgia"/>
-              <a:buNone/>
-              <a:defRPr sz="3000" i="1">
-                <a:solidFill>
-                  <a:srgbClr val="FFFFFF"/>
-                </a:solidFill>
-                <a:latin typeface="Georgia"/>
-                <a:ea typeface="Georgia"/>
-                <a:cs typeface="Georgia"/>
-                <a:sym typeface="Georgia"/>
-              </a:defRPr>
-            </a:lvl3pPr>
-            <a:lvl4pPr lvl="3" rtl="0">
-              <a:spcBef>
-                <a:spcPts val="0"/>
-              </a:spcBef>
-              <a:buClr>
-                <a:srgbClr val="FFFFFF"/>
-              </a:buClr>
-              <a:buSzPts val="3000"/>
-              <a:buFont typeface="Georgia"/>
-              <a:buNone/>
-              <a:defRPr sz="3000" i="1">
-                <a:solidFill>
-                  <a:srgbClr val="FFFFFF"/>
-                </a:solidFill>
-                <a:latin typeface="Georgia"/>
-                <a:ea typeface="Georgia"/>
-                <a:cs typeface="Georgia"/>
-                <a:sym typeface="Georgia"/>
-              </a:defRPr>
-            </a:lvl4pPr>
-            <a:lvl5pPr lvl="4" rtl="0">
-              <a:spcBef>
-                <a:spcPts val="0"/>
-              </a:spcBef>
-              <a:buClr>
-                <a:srgbClr val="FFFFFF"/>
-              </a:buClr>
-              <a:buSzPts val="3000"/>
-              <a:buFont typeface="Georgia"/>
-              <a:buNone/>
-              <a:defRPr sz="3000" i="1">
-                <a:solidFill>
-                  <a:srgbClr val="FFFFFF"/>
-                </a:solidFill>
-                <a:latin typeface="Georgia"/>
-                <a:ea typeface="Georgia"/>
-                <a:cs typeface="Georgia"/>
-                <a:sym typeface="Georgia"/>
-              </a:defRPr>
-            </a:lvl5pPr>
-            <a:lvl6pPr lvl="5" rtl="0">
-              <a:spcBef>
-                <a:spcPts val="0"/>
-              </a:spcBef>
-              <a:buClr>
-                <a:srgbClr val="FFFFFF"/>
-              </a:buClr>
-              <a:buSzPts val="3000"/>
-              <a:buFont typeface="Georgia"/>
-              <a:buNone/>
-              <a:defRPr sz="3000" i="1">
-                <a:solidFill>
-                  <a:srgbClr val="FFFFFF"/>
-                </a:solidFill>
-                <a:latin typeface="Georgia"/>
-                <a:ea typeface="Georgia"/>
-                <a:cs typeface="Georgia"/>
-                <a:sym typeface="Georgia"/>
-              </a:defRPr>
-            </a:lvl6pPr>
-            <a:lvl7pPr lvl="6" rtl="0">
-              <a:spcBef>
-                <a:spcPts val="0"/>
-              </a:spcBef>
-              <a:buClr>
-                <a:srgbClr val="FFFFFF"/>
-              </a:buClr>
-              <a:buSzPts val="3000"/>
-              <a:buFont typeface="Georgia"/>
-              <a:buNone/>
-              <a:defRPr sz="3000" i="1">
-                <a:solidFill>
-                  <a:srgbClr val="FFFFFF"/>
-                </a:solidFill>
-                <a:latin typeface="Georgia"/>
-                <a:ea typeface="Georgia"/>
-                <a:cs typeface="Georgia"/>
-                <a:sym typeface="Georgia"/>
-              </a:defRPr>
-            </a:lvl7pPr>
-            <a:lvl8pPr lvl="7" rtl="0">
-              <a:spcBef>
-                <a:spcPts val="0"/>
-              </a:spcBef>
-              <a:buClr>
-                <a:srgbClr val="FFFFFF"/>
-              </a:buClr>
-              <a:buSzPts val="3000"/>
-              <a:buFont typeface="Georgia"/>
-              <a:buNone/>
-              <a:defRPr sz="3000" i="1">
-                <a:solidFill>
-                  <a:srgbClr val="FFFFFF"/>
-                </a:solidFill>
-                <a:latin typeface="Georgia"/>
-                <a:ea typeface="Georgia"/>
-                <a:cs typeface="Georgia"/>
-                <a:sym typeface="Georgia"/>
-              </a:defRPr>
-            </a:lvl8pPr>
-            <a:lvl9pPr lvl="8" rtl="0">
-              <a:spcBef>
-                <a:spcPts val="0"/>
-              </a:spcBef>
-              <a:buClr>
-                <a:srgbClr val="FFFFFF"/>
-              </a:buClr>
-              <a:buSzPts val="3000"/>
-              <a:buFont typeface="Georgia"/>
-              <a:buNone/>
-              <a:defRPr sz="3000" i="1">
-                <a:solidFill>
-                  <a:srgbClr val="FFFFFF"/>
-                </a:solidFill>
-                <a:latin typeface="Georgia"/>
-                <a:ea typeface="Georgia"/>
-                <a:cs typeface="Georgia"/>
-                <a:sym typeface="Georgia"/>
-              </a:defRPr>
-            </a:lvl9pPr>
-          </a:lstStyle>
-          <a:p>
-            <a:endParaRPr/>
-          </a:p>
-        </p:txBody>
-      </p:sp>
-      <p:sp>
-        <p:nvSpPr>
-          <p:cNvPr id="22" name="Shape 22"/>
-          <p:cNvSpPr txBox="1">
-            <a:spLocks noGrp="1"/>
-          </p:cNvSpPr>
-          <p:nvPr>
-            <p:ph type="sldNum" idx="12"/>
-          </p:nvPr>
-        </p:nvSpPr>
-        <p:spPr>
-          <a:xfrm>
-            <a:off x="8556784" y="4749851"/>
-            <a:ext cx="548700" cy="393600"/>
-          </a:xfrm>
-          <a:prstGeom prst="rect">
-            <a:avLst/>
-          </a:prstGeom>
-        </p:spPr>
-        <p:txBody>
-          <a:bodyPr wrap="square" lIns="91425" tIns="91425" rIns="91425" bIns="91425" anchor="ctr" anchorCtr="0">
-            <a:noAutofit/>
-          </a:bodyPr>
-          <a:lstStyle/>
-          <a:p>
-            <a:pPr marL="0" lvl="0" indent="0" rtl="0">
-              <a:spcBef>
-                <a:spcPts val="0"/>
-              </a:spcBef>
-              <a:buNone/>
-            </a:pPr>
-            <a:fld id="{00000000-1234-1234-1234-123412341234}" type="slidenum">
-              <a:rPr lang="en"/>
-              <a:t>‹#›</a:t>
-            </a:fld>
-            <a:endParaRPr lang="en"/>
-          </a:p>
-        </p:txBody>
-      </p:sp>
-      <p:sp>
-        <p:nvSpPr>
-          <p:cNvPr id="23" name="Shape 23"/>
-          <p:cNvSpPr/>
-          <p:nvPr/>
-        </p:nvSpPr>
-        <p:spPr>
-          <a:xfrm flipH="1">
-            <a:off x="4455300" y="0"/>
-            <a:ext cx="113100" cy="5143500"/>
-          </a:xfrm>
-          <a:prstGeom prst="rect">
-            <a:avLst/>
-          </a:prstGeom>
-          <a:gradFill>
-            <a:gsLst>
-              <a:gs pos="0">
-                <a:srgbClr val="000014">
-                  <a:alpha val="20000"/>
-                </a:srgbClr>
-              </a:gs>
-              <a:gs pos="100000">
-                <a:srgbClr val="000014">
-                  <a:alpha val="0"/>
-                </a:srgbClr>
-              </a:gs>
-            </a:gsLst>
-            <a:lin ang="0" scaled="0"/>
-          </a:gradFill>
-          <a:ln>
-            <a:noFill/>
-          </a:ln>
-        </p:spPr>
-        <p:txBody>
-          <a:bodyPr wrap="square" lIns="91425" tIns="45700" rIns="91425" bIns="45700" anchor="ctr" anchorCtr="0">
-            <a:noAutofit/>
-          </a:bodyPr>
-          <a:lstStyle/>
-          <a:p>
-            <a:pPr marL="0" marR="0" lvl="0" indent="0" algn="ctr" rtl="0">
-              <a:spcBef>
-                <a:spcPts val="0"/>
-              </a:spcBef>
-              <a:buNone/>
-            </a:pPr>
-            <a:endParaRPr sz="1800">
-              <a:solidFill>
-                <a:srgbClr val="FFFFFF"/>
-              </a:solidFill>
-              <a:latin typeface="Calibri"/>
-              <a:ea typeface="Calibri"/>
-              <a:cs typeface="Calibri"/>
-              <a:sym typeface="Calibri"/>
-            </a:endParaRPr>
-          </a:p>
-        </p:txBody>
-      </p:sp>
-      <p:sp>
-        <p:nvSpPr>
-          <p:cNvPr id="24" name="Shape 24"/>
-          <p:cNvSpPr txBox="1">
-            <a:spLocks noGrp="1"/>
-          </p:cNvSpPr>
-          <p:nvPr>
-            <p:ph type="body" idx="2"/>
-          </p:nvPr>
-        </p:nvSpPr>
-        <p:spPr>
-          <a:xfrm>
-            <a:off x="5130225" y="1016000"/>
-            <a:ext cx="3470700" cy="3099900"/>
-          </a:xfrm>
-          <a:prstGeom prst="rect">
-            <a:avLst/>
-          </a:prstGeom>
-        </p:spPr>
-        <p:txBody>
-          <a:bodyPr wrap="square" lIns="91425" tIns="91425" rIns="91425" bIns="91425" anchor="t" anchorCtr="0"/>
-          <a:lstStyle>
-            <a:lvl1pPr lvl="0" rtl="0">
-              <a:spcBef>
-                <a:spcPts val="0"/>
-              </a:spcBef>
-              <a:spcAft>
-                <a:spcPts val="1000"/>
-              </a:spcAft>
-              <a:buClr>
-                <a:srgbClr val="F67031"/>
-              </a:buClr>
-              <a:buSzPts val="1800"/>
-              <a:buAutoNum type="arabicPeriod"/>
-              <a:defRPr sz="1800"/>
-            </a:lvl1pPr>
-            <a:lvl2pPr lvl="1" rtl="0">
-              <a:spcBef>
-                <a:spcPts val="0"/>
-              </a:spcBef>
-              <a:spcAft>
-                <a:spcPts val="1000"/>
-              </a:spcAft>
-              <a:buSzPts val="1400"/>
-              <a:buAutoNum type="alphaLcPeriod"/>
-              <a:defRPr>
-                <a:solidFill>
-                  <a:srgbClr val="999999"/>
-                </a:solidFill>
-              </a:defRPr>
-            </a:lvl2pPr>
-            <a:lvl3pPr lvl="2" rtl="0">
-              <a:spcBef>
-                <a:spcPts val="0"/>
-              </a:spcBef>
-              <a:spcAft>
-                <a:spcPts val="1000"/>
-              </a:spcAft>
-              <a:buSzPts val="1400"/>
-              <a:buAutoNum type="romanLcPeriod"/>
-              <a:defRPr>
-                <a:solidFill>
-                  <a:srgbClr val="999999"/>
-                </a:solidFill>
-              </a:defRPr>
-            </a:lvl3pPr>
-            <a:lvl4pPr lvl="3" rtl="0">
-              <a:spcBef>
-                <a:spcPts val="0"/>
-              </a:spcBef>
-              <a:spcAft>
-                <a:spcPts val="1000"/>
-              </a:spcAft>
-              <a:buSzPts val="1400"/>
-              <a:buAutoNum type="arabicPeriod"/>
-              <a:defRPr>
-                <a:solidFill>
-                  <a:srgbClr val="999999"/>
-                </a:solidFill>
-              </a:defRPr>
-            </a:lvl4pPr>
-            <a:lvl5pPr lvl="4" rtl="0">
-              <a:spcBef>
-                <a:spcPts val="0"/>
-              </a:spcBef>
-              <a:spcAft>
-                <a:spcPts val="1000"/>
-              </a:spcAft>
-              <a:buClr>
-                <a:srgbClr val="999999"/>
-              </a:buClr>
-              <a:buSzPts val="1400"/>
-              <a:buAutoNum type="alphaLcPeriod"/>
-              <a:defRPr>
-                <a:solidFill>
-                  <a:srgbClr val="999999"/>
-                </a:solidFill>
-              </a:defRPr>
-            </a:lvl5pPr>
-            <a:lvl6pPr lvl="5" rtl="0">
-              <a:spcBef>
-                <a:spcPts val="0"/>
-              </a:spcBef>
-              <a:spcAft>
-                <a:spcPts val="1000"/>
-              </a:spcAft>
-              <a:buClr>
-                <a:srgbClr val="999999"/>
-              </a:buClr>
-              <a:buSzPts val="1400"/>
-              <a:buAutoNum type="romanLcPeriod"/>
-              <a:defRPr>
-                <a:solidFill>
-                  <a:srgbClr val="999999"/>
-                </a:solidFill>
-              </a:defRPr>
-            </a:lvl6pPr>
-            <a:lvl7pPr lvl="6" rtl="0">
-              <a:spcBef>
-                <a:spcPts val="0"/>
-              </a:spcBef>
-              <a:spcAft>
-                <a:spcPts val="1000"/>
-              </a:spcAft>
-              <a:buClr>
-                <a:srgbClr val="999999"/>
-              </a:buClr>
-              <a:buSzPts val="1400"/>
-              <a:buAutoNum type="arabicPeriod"/>
-              <a:defRPr>
-                <a:solidFill>
-                  <a:srgbClr val="999999"/>
-                </a:solidFill>
-              </a:defRPr>
-            </a:lvl7pPr>
-            <a:lvl8pPr lvl="7" rtl="0">
-              <a:spcBef>
-                <a:spcPts val="0"/>
-              </a:spcBef>
-              <a:spcAft>
-                <a:spcPts val="1000"/>
-              </a:spcAft>
-              <a:buClr>
-                <a:srgbClr val="999999"/>
-              </a:buClr>
-              <a:buSzPts val="1400"/>
-              <a:buAutoNum type="alphaLcPeriod"/>
-              <a:defRPr>
-                <a:solidFill>
-                  <a:srgbClr val="999999"/>
-                </a:solidFill>
-              </a:defRPr>
-            </a:lvl8pPr>
-            <a:lvl9pPr lvl="8" rtl="0">
-              <a:spcBef>
-                <a:spcPts val="0"/>
-              </a:spcBef>
-              <a:spcAft>
-                <a:spcPts val="1000"/>
-              </a:spcAft>
-              <a:buClr>
-                <a:srgbClr val="999999"/>
-              </a:buClr>
-              <a:buSzPts val="1400"/>
-              <a:buAutoNum type="romanLcPeriod"/>
-              <a:defRPr>
-                <a:solidFill>
-                  <a:srgbClr val="999999"/>
-                </a:solidFill>
-              </a:defRPr>
-            </a:lvl9pPr>
-          </a:lstStyle>
-          <a:p>
-            <a:endParaRPr/>
-          </a:p>
-        </p:txBody>
-      </p:sp>
-      <p:sp>
-        <p:nvSpPr>
-          <p:cNvPr id="25" name="Shape 25"/>
-          <p:cNvSpPr txBox="1">
-            <a:spLocks noGrp="1"/>
-          </p:cNvSpPr>
-          <p:nvPr>
-            <p:ph type="title"/>
-          </p:nvPr>
-        </p:nvSpPr>
-        <p:spPr>
-          <a:xfrm>
-            <a:off x="646573" y="1016000"/>
-            <a:ext cx="3246900" cy="973500"/>
-          </a:xfrm>
-          <a:prstGeom prst="rect">
-            <a:avLst/>
-          </a:prstGeom>
-        </p:spPr>
-        <p:txBody>
-          <a:bodyPr wrap="square" lIns="91425" tIns="91425" rIns="91425" bIns="91425" anchor="t" anchorCtr="0"/>
-          <a:lstStyle>
-            <a:lvl1pPr lvl="0" rtl="0">
-              <a:spcBef>
-                <a:spcPts val="0"/>
-              </a:spcBef>
-              <a:buSzPts val="2400"/>
-              <a:buNone/>
-              <a:defRPr/>
-            </a:lvl1pPr>
-            <a:lvl2pPr lvl="1" rtl="0">
-              <a:spcBef>
-                <a:spcPts val="0"/>
-              </a:spcBef>
-              <a:buSzPts val="2400"/>
-              <a:buNone/>
-              <a:defRPr/>
-            </a:lvl2pPr>
-            <a:lvl3pPr lvl="2" rtl="0">
-              <a:spcBef>
-                <a:spcPts val="0"/>
-              </a:spcBef>
-              <a:buSzPts val="2400"/>
-              <a:buNone/>
-              <a:defRPr/>
-            </a:lvl3pPr>
-            <a:lvl4pPr lvl="3" rtl="0">
-              <a:spcBef>
-                <a:spcPts val="0"/>
-              </a:spcBef>
-              <a:buSzPts val="2400"/>
-              <a:buNone/>
-              <a:defRPr/>
-            </a:lvl4pPr>
-            <a:lvl5pPr lvl="4" rtl="0">
-              <a:spcBef>
-                <a:spcPts val="0"/>
-              </a:spcBef>
-              <a:buSzPts val="2400"/>
-              <a:buNone/>
-              <a:defRPr/>
-            </a:lvl5pPr>
-            <a:lvl6pPr lvl="5" rtl="0">
-              <a:spcBef>
-                <a:spcPts val="0"/>
-              </a:spcBef>
-              <a:buSzPts val="2400"/>
-              <a:buNone/>
-              <a:defRPr/>
-            </a:lvl6pPr>
-            <a:lvl7pPr lvl="6" rtl="0">
-              <a:spcBef>
-                <a:spcPts val="0"/>
-              </a:spcBef>
-              <a:buSzPts val="2400"/>
-              <a:buNone/>
-              <a:defRPr/>
-            </a:lvl7pPr>
-            <a:lvl8pPr lvl="7" rtl="0">
-              <a:spcBef>
-                <a:spcPts val="0"/>
-              </a:spcBef>
-              <a:buSzPts val="2400"/>
-              <a:buNone/>
-              <a:defRPr/>
-            </a:lvl8pPr>
-            <a:lvl9pPr lvl="8" rtl="0">
-              <a:spcBef>
-                <a:spcPts val="0"/>
-              </a:spcBef>
-              <a:buSzPts val="2400"/>
-              <a:buNone/>
-              <a:defRPr/>
-            </a:lvl9pPr>
-          </a:lstStyle>
-          <a:p>
-            <a:endParaRPr/>
-          </a:p>
-        </p:txBody>
-      </p:sp>
-    </p:spTree>
-  </p:cSld>
-  <p:clrMapOvr>
-    <a:masterClrMapping/>
-  </p:clrMapOvr>
-</p:sldLayout>
-</file>
-
-<file path=ppt/slideLayouts/slideLayout4.xml><?xml version="1.0" encoding="utf-8"?>
-<p:sldLayout xmlns:a="http://schemas.openxmlformats.org/drawingml/2006/main" xmlns:r="http://schemas.openxmlformats.org/officeDocument/2006/relationships" xmlns:p="http://schemas.openxmlformats.org/presentationml/2006/main">
   <p:cSld name="Quote">
     <p:spTree>
       <p:nvGrpSpPr>
@@ -3587,7 +2839,7 @@
 </p:sldLayout>
 </file>
 
-<file path=ppt/slideLayouts/slideLayout5.xml><?xml version="1.0" encoding="utf-8"?>
+<file path=ppt/slideLayouts/slideLayout4.xml><?xml version="1.0" encoding="utf-8"?>
 <p:sldLayout xmlns:a="http://schemas.openxmlformats.org/drawingml/2006/main" xmlns:r="http://schemas.openxmlformats.org/officeDocument/2006/relationships" xmlns:p="http://schemas.openxmlformats.org/presentationml/2006/main">
   <p:cSld name="Title + 2 columns with intro text">
     <p:spTree>
@@ -4253,7 +3505,7 @@
 </p:sldLayout>
 </file>
 
-<file path=ppt/slideLayouts/slideLayout6.xml><?xml version="1.0" encoding="utf-8"?>
+<file path=ppt/slideLayouts/slideLayout5.xml><?xml version="1.0" encoding="utf-8"?>
 <p:sldLayout xmlns:a="http://schemas.openxmlformats.org/drawingml/2006/main" xmlns:r="http://schemas.openxmlformats.org/officeDocument/2006/relationships" xmlns:p="http://schemas.openxmlformats.org/presentationml/2006/main">
   <p:cSld name="Title + 1 column half">
     <p:spTree>
@@ -4682,7 +3934,7 @@
 </p:sldLayout>
 </file>
 
-<file path=ppt/slideLayouts/slideLayout7.xml><?xml version="1.0" encoding="utf-8"?>
+<file path=ppt/slideLayouts/slideLayout6.xml><?xml version="1.0" encoding="utf-8"?>
 <p:sldLayout xmlns:a="http://schemas.openxmlformats.org/drawingml/2006/main" xmlns:r="http://schemas.openxmlformats.org/officeDocument/2006/relationships" xmlns:p="http://schemas.openxmlformats.org/presentationml/2006/main" type="twoColTx">
   <p:cSld name="Title + 2 columns">
     <p:spTree>
@@ -5140,7 +4392,7 @@
 </p:sldLayout>
 </file>
 
-<file path=ppt/slideLayouts/slideLayout8.xml><?xml version="1.0" encoding="utf-8"?>
+<file path=ppt/slideLayouts/slideLayout7.xml><?xml version="1.0" encoding="utf-8"?>
 <p:sldLayout xmlns:a="http://schemas.openxmlformats.org/drawingml/2006/main" xmlns:r="http://schemas.openxmlformats.org/officeDocument/2006/relationships" xmlns:p="http://schemas.openxmlformats.org/presentationml/2006/main" type="blank">
   <p:cSld name="Blank">
     <p:spTree>
@@ -5753,12 +5005,11 @@
   <p:sldLayoutIdLst>
     <p:sldLayoutId id="2147483648" r:id="rId1"/>
     <p:sldLayoutId id="2147483649" r:id="rId2"/>
-    <p:sldLayoutId id="2147483650" r:id="rId3"/>
-    <p:sldLayoutId id="2147483651" r:id="rId4"/>
-    <p:sldLayoutId id="2147483654" r:id="rId5"/>
-    <p:sldLayoutId id="2147483656" r:id="rId6"/>
-    <p:sldLayoutId id="2147483657" r:id="rId7"/>
-    <p:sldLayoutId id="2147483660" r:id="rId8"/>
+    <p:sldLayoutId id="2147483651" r:id="rId3"/>
+    <p:sldLayoutId id="2147483654" r:id="rId4"/>
+    <p:sldLayoutId id="2147483656" r:id="rId5"/>
+    <p:sldLayoutId id="2147483657" r:id="rId6"/>
+    <p:sldLayoutId id="2147483660" r:id="rId7"/>
   </p:sldLayoutIdLst>
   <p:transition>
     <p:fade thruBlk="1"/>
@@ -6265,15 +5516,7 @@
             <a:pPr lvl="0"/>
             <a:r>
               <a:rPr lang="en" dirty="0" smtClean="0"/>
-              <a:t>LESSON </a:t>
-            </a:r>
-            <a:r>
-              <a:rPr lang="en" dirty="0" smtClean="0"/>
-              <a:t>6:</a:t>
-            </a:r>
-            <a:r>
-              <a:rPr lang="en" dirty="0" smtClean="0"/>
-              <a:t/>
+              <a:t>LESSON 6:</a:t>
             </a:r>
             <a:br>
               <a:rPr lang="en" dirty="0" smtClean="0"/>
@@ -7076,7 +6319,7 @@
   <p:cSld>
     <p:spTree>
       <p:nvGrpSpPr>
-        <p:cNvPr id="1" name="Shape 120"/>
+        <p:cNvPr id="1" name="Shape 180"/>
         <p:cNvGrpSpPr/>
         <p:nvPr/>
       </p:nvGrpSpPr>
@@ -7090,7 +6333,7 @@
       </p:grpSpPr>
       <p:sp>
         <p:nvSpPr>
-          <p:cNvPr id="121" name="Shape 121"/>
+          <p:cNvPr id="182" name="Shape 182"/>
           <p:cNvSpPr txBox="1">
             <a:spLocks noGrp="1"/>
           </p:cNvSpPr>
@@ -7100,8 +6343,8 @@
         </p:nvSpPr>
         <p:spPr>
           <a:xfrm>
-            <a:off x="646573" y="1016000"/>
-            <a:ext cx="3246900" cy="973500"/>
+            <a:off x="234450" y="575500"/>
+            <a:ext cx="2087732" cy="628350"/>
           </a:xfrm>
           <a:prstGeom prst="rect">
             <a:avLst/>
@@ -7120,16 +6363,28 @@
               <a:buNone/>
             </a:pPr>
             <a:r>
-              <a:rPr lang="en" dirty="0" smtClean="0"/>
-              <a:t>Exercise 4 part 1</a:t>
+              <a:rPr lang="en" sz="2000" i="1" dirty="0" smtClean="0"/>
+              <a:t>Exercise from </a:t>
             </a:r>
-            <a:endParaRPr lang="en" dirty="0"/>
+            <a:r>
+              <a:rPr lang="en" sz="2000" i="1" smtClean="0"/>
+              <a:t>aCloudGuru “Using Polly </a:t>
+            </a:r>
+            <a:r>
+              <a:rPr lang="en" sz="2000" i="1" dirty="0" smtClean="0"/>
+              <a:t>to help you pass </a:t>
+            </a:r>
+            <a:r>
+              <a:rPr lang="en" sz="2000" i="1" smtClean="0"/>
+              <a:t>the exam”</a:t>
+            </a:r>
+            <a:endParaRPr lang="en" sz="2000" i="1" dirty="0"/>
           </a:p>
         </p:txBody>
       </p:sp>
       <p:sp>
         <p:nvSpPr>
-          <p:cNvPr id="123" name="Shape 123"/>
+          <p:cNvPr id="184" name="Shape 184"/>
           <p:cNvSpPr txBox="1">
             <a:spLocks noGrp="1"/>
           </p:cNvSpPr>
@@ -7166,202 +6421,34 @@
           </a:p>
         </p:txBody>
       </p:sp>
-      <p:sp>
-        <p:nvSpPr>
-          <p:cNvPr id="124" name="Shape 124"/>
-          <p:cNvSpPr txBox="1">
-            <a:spLocks noGrp="1"/>
-          </p:cNvSpPr>
-          <p:nvPr>
-            <p:ph type="subTitle" idx="1"/>
-          </p:nvPr>
-        </p:nvSpPr>
+      <p:pic>
+        <p:nvPicPr>
+          <p:cNvPr id="3" name="Picture 2"/>
+          <p:cNvPicPr>
+            <a:picLocks noChangeAspect="1"/>
+          </p:cNvPicPr>
+          <p:nvPr/>
+        </p:nvPicPr>
+        <p:blipFill>
+          <a:blip r:embed="rId3"/>
+          <a:stretch>
+            <a:fillRect/>
+          </a:stretch>
+        </p:blipFill>
         <p:spPr>
           <a:xfrm>
-            <a:off x="646550" y="1684700"/>
-            <a:ext cx="3246900" cy="2126400"/>
+            <a:off x="2647962" y="374072"/>
+            <a:ext cx="6405814" cy="4194464"/>
           </a:xfrm>
           <a:prstGeom prst="rect">
             <a:avLst/>
           </a:prstGeom>
         </p:spPr>
-        <p:txBody>
-          <a:bodyPr wrap="square" lIns="91425" tIns="91425" rIns="91425" bIns="91425" anchor="t" anchorCtr="0">
-            <a:noAutofit/>
-          </a:bodyPr>
-          <a:lstStyle/>
-          <a:p>
-            <a:r>
-              <a:rPr lang="en-US" dirty="0"/>
-              <a:t>Run the </a:t>
-            </a:r>
-            <a:r>
-              <a:rPr lang="en-US" dirty="0" smtClean="0"/>
-              <a:t>Task List Web App documentation and identify all the Design pattern inside the code</a:t>
-            </a:r>
-          </a:p>
-        </p:txBody>
-      </p:sp>
-      <p:sp>
-        <p:nvSpPr>
-          <p:cNvPr id="7" name="Shape 122"/>
-          <p:cNvSpPr txBox="1">
-            <a:spLocks noGrp="1"/>
-          </p:cNvSpPr>
-          <p:nvPr>
-            <p:ph type="body" idx="2"/>
-          </p:nvPr>
-        </p:nvSpPr>
-        <p:spPr>
-          <a:xfrm>
-            <a:off x="4710146" y="1016000"/>
-            <a:ext cx="4433853" cy="3805980"/>
-          </a:xfrm>
-          <a:prstGeom prst="rect">
-            <a:avLst/>
-          </a:prstGeom>
-        </p:spPr>
-        <p:txBody>
-          <a:bodyPr wrap="square" lIns="91425" tIns="91425" rIns="91425" bIns="91425" anchor="t" anchorCtr="0">
-            <a:noAutofit/>
-          </a:bodyPr>
-          <a:lstStyle/>
-          <a:p>
-            <a:pPr marL="457200" lvl="0" indent="-342900" rtl="0">
-              <a:spcBef>
-                <a:spcPts val="0"/>
-              </a:spcBef>
-              <a:spcAft>
-                <a:spcPts val="1000"/>
-              </a:spcAft>
-              <a:buSzPts val="1800"/>
-              <a:buFont typeface="+mj-lt"/>
-              <a:buAutoNum type="arabicPeriod"/>
-            </a:pPr>
-            <a:r>
-              <a:rPr lang="en" dirty="0" smtClean="0"/>
-              <a:t>Read the Exercise documentation</a:t>
-            </a:r>
-          </a:p>
-          <a:p>
-            <a:pPr marL="114300" lvl="0">
-              <a:buNone/>
-            </a:pPr>
-            <a:r>
-              <a:rPr lang="it-IT" sz="800" dirty="0" smtClean="0">
-                <a:solidFill>
-                  <a:srgbClr val="FA8006"/>
-                </a:solidFill>
-                <a:latin typeface="Courier New" panose="02070309020205020404" pitchFamily="49" charset="0"/>
-                <a:cs typeface="Courier New" panose="02070309020205020404" pitchFamily="49" charset="0"/>
-              </a:rPr>
-              <a:t>./ComputerProgrammingBasic/exercise4/Exercise_4.pptx</a:t>
-            </a:r>
-            <a:endParaRPr lang="en" sz="800" dirty="0">
-              <a:solidFill>
-                <a:srgbClr val="FA8006"/>
-              </a:solidFill>
-              <a:latin typeface="Courier New" panose="02070309020205020404" pitchFamily="49" charset="0"/>
-              <a:cs typeface="Courier New" panose="02070309020205020404" pitchFamily="49" charset="0"/>
-            </a:endParaRPr>
-          </a:p>
-          <a:p>
-            <a:pPr marL="457200" lvl="3" indent="-342900">
-              <a:buSzPts val="1800"/>
-              <a:buFont typeface="Arial" panose="020B0604020202020204" pitchFamily="34" charset="0"/>
-              <a:buChar char="•"/>
-            </a:pPr>
-            <a:r>
-              <a:rPr lang="en" dirty="0" smtClean="0"/>
-              <a:t>Read Event documentation</a:t>
-            </a:r>
-          </a:p>
-          <a:p>
-            <a:pPr marL="457200" lvl="3" indent="-342900">
-              <a:buSzPts val="1800"/>
-              <a:buFont typeface="Arial" panose="020B0604020202020204" pitchFamily="34" charset="0"/>
-              <a:buChar char="•"/>
-            </a:pPr>
-            <a:r>
-              <a:rPr lang="en" dirty="0" smtClean="0"/>
-              <a:t>Read Model documentation</a:t>
-            </a:r>
-          </a:p>
-          <a:p>
-            <a:pPr marL="457200" lvl="3" indent="-342900">
-              <a:buSzPts val="1800"/>
-              <a:buFont typeface="Arial" panose="020B0604020202020204" pitchFamily="34" charset="0"/>
-              <a:buChar char="•"/>
-            </a:pPr>
-            <a:r>
-              <a:rPr lang="en" dirty="0" smtClean="0"/>
-              <a:t>Read Viewer documentation</a:t>
-            </a:r>
-          </a:p>
-          <a:p>
-            <a:pPr marL="457200" lvl="3" indent="-342900">
-              <a:buSzPts val="1800"/>
-              <a:buFont typeface="Arial" panose="020B0604020202020204" pitchFamily="34" charset="0"/>
-              <a:buChar char="•"/>
-            </a:pPr>
-            <a:r>
-              <a:rPr lang="en" dirty="0" smtClean="0"/>
-              <a:t>Read Controller documentation</a:t>
-            </a:r>
-          </a:p>
-          <a:p>
-            <a:pPr marL="457200" lvl="0" indent="-342900" rtl="0">
-              <a:spcBef>
-                <a:spcPts val="0"/>
-              </a:spcBef>
-              <a:spcAft>
-                <a:spcPts val="1000"/>
-              </a:spcAft>
-              <a:buSzPts val="1800"/>
-              <a:buFont typeface="+mj-lt"/>
-              <a:buAutoNum type="arabicPeriod" startAt="2"/>
-            </a:pPr>
-            <a:r>
-              <a:rPr lang="en" dirty="0" smtClean="0"/>
-              <a:t>Run the Web App</a:t>
-            </a:r>
-          </a:p>
-          <a:p>
-            <a:pPr marL="457200" lvl="0" indent="-342900" rtl="0">
-              <a:spcBef>
-                <a:spcPts val="0"/>
-              </a:spcBef>
-              <a:spcAft>
-                <a:spcPts val="1000"/>
-              </a:spcAft>
-              <a:buSzPts val="1800"/>
-              <a:buFont typeface="+mj-lt"/>
-              <a:buAutoNum type="arabicPeriod" startAt="2"/>
-            </a:pPr>
-            <a:r>
-              <a:rPr lang="en" dirty="0" smtClean="0"/>
-              <a:t>Identify all the Desing Pattern into the code</a:t>
-            </a:r>
-          </a:p>
-          <a:p>
-            <a:pPr marL="114300" lvl="0" rtl="0">
-              <a:spcBef>
-                <a:spcPts val="0"/>
-              </a:spcBef>
-              <a:spcAft>
-                <a:spcPts val="1000"/>
-              </a:spcAft>
-              <a:buSzPts val="1800"/>
-              <a:buNone/>
-            </a:pPr>
-            <a:endParaRPr lang="en" dirty="0"/>
-          </a:p>
-        </p:txBody>
-      </p:sp>
+      </p:pic>
     </p:spTree>
     <p:extLst>
       <p:ext uri="{BB962C8B-B14F-4D97-AF65-F5344CB8AC3E}">
-        <p14:creationId xmlns:p14="http://schemas.microsoft.com/office/powerpoint/2010/main" val="1979807076"/>
+        <p14:creationId xmlns:p14="http://schemas.microsoft.com/office/powerpoint/2010/main" val="3575915957"/>
       </p:ext>
     </p:extLst>
   </p:cSld>
@@ -7372,768 +6459,6 @@
 </file>
 
 <file path=ppt/slides/slide11.xml><?xml version="1.0" encoding="utf-8"?>
-<p:sld xmlns:a="http://schemas.openxmlformats.org/drawingml/2006/main" xmlns:r="http://schemas.openxmlformats.org/officeDocument/2006/relationships" xmlns:p="http://schemas.openxmlformats.org/presentationml/2006/main">
-  <p:cSld>
-    <p:spTree>
-      <p:nvGrpSpPr>
-        <p:cNvPr id="1" name="Shape 120"/>
-        <p:cNvGrpSpPr/>
-        <p:nvPr/>
-      </p:nvGrpSpPr>
-      <p:grpSpPr>
-        <a:xfrm>
-          <a:off x="0" y="0"/>
-          <a:ext cx="0" cy="0"/>
-          <a:chOff x="0" y="0"/>
-          <a:chExt cx="0" cy="0"/>
-        </a:xfrm>
-      </p:grpSpPr>
-      <p:sp>
-        <p:nvSpPr>
-          <p:cNvPr id="121" name="Shape 121"/>
-          <p:cNvSpPr txBox="1">
-            <a:spLocks noGrp="1"/>
-          </p:cNvSpPr>
-          <p:nvPr>
-            <p:ph type="title"/>
-          </p:nvPr>
-        </p:nvSpPr>
-        <p:spPr>
-          <a:xfrm>
-            <a:off x="646573" y="1016000"/>
-            <a:ext cx="3246900" cy="973500"/>
-          </a:xfrm>
-          <a:prstGeom prst="rect">
-            <a:avLst/>
-          </a:prstGeom>
-        </p:spPr>
-        <p:txBody>
-          <a:bodyPr wrap="square" lIns="91425" tIns="91425" rIns="91425" bIns="91425" anchor="t" anchorCtr="0">
-            <a:noAutofit/>
-          </a:bodyPr>
-          <a:lstStyle/>
-          <a:p>
-            <a:pPr marL="0" lvl="0" indent="0">
-              <a:spcBef>
-                <a:spcPts val="0"/>
-              </a:spcBef>
-              <a:buNone/>
-            </a:pPr>
-            <a:r>
-              <a:rPr lang="en" dirty="0" smtClean="0"/>
-              <a:t>Exercise 4 part 2</a:t>
-            </a:r>
-            <a:endParaRPr lang="en" dirty="0"/>
-          </a:p>
-        </p:txBody>
-      </p:sp>
-      <p:sp>
-        <p:nvSpPr>
-          <p:cNvPr id="123" name="Shape 123"/>
-          <p:cNvSpPr txBox="1">
-            <a:spLocks noGrp="1"/>
-          </p:cNvSpPr>
-          <p:nvPr>
-            <p:ph type="sldNum" idx="12"/>
-          </p:nvPr>
-        </p:nvSpPr>
-        <p:spPr>
-          <a:xfrm>
-            <a:off x="8556784" y="4749851"/>
-            <a:ext cx="548700" cy="393600"/>
-          </a:xfrm>
-          <a:prstGeom prst="rect">
-            <a:avLst/>
-          </a:prstGeom>
-        </p:spPr>
-        <p:txBody>
-          <a:bodyPr wrap="square" lIns="91425" tIns="91425" rIns="91425" bIns="91425" anchor="ctr" anchorCtr="0">
-            <a:noAutofit/>
-          </a:bodyPr>
-          <a:lstStyle/>
-          <a:p>
-            <a:pPr marL="0" lvl="0" indent="0">
-              <a:spcBef>
-                <a:spcPts val="0"/>
-              </a:spcBef>
-              <a:buNone/>
-            </a:pPr>
-            <a:fld id="{00000000-1234-1234-1234-123412341234}" type="slidenum">
-              <a:rPr lang="en"/>
-              <a:t>11</a:t>
-            </a:fld>
-            <a:endParaRPr lang="en"/>
-          </a:p>
-        </p:txBody>
-      </p:sp>
-      <p:sp>
-        <p:nvSpPr>
-          <p:cNvPr id="124" name="Shape 124"/>
-          <p:cNvSpPr txBox="1">
-            <a:spLocks noGrp="1"/>
-          </p:cNvSpPr>
-          <p:nvPr>
-            <p:ph type="subTitle" idx="1"/>
-          </p:nvPr>
-        </p:nvSpPr>
-        <p:spPr>
-          <a:xfrm>
-            <a:off x="646550" y="1684700"/>
-            <a:ext cx="3246900" cy="2126400"/>
-          </a:xfrm>
-          <a:prstGeom prst="rect">
-            <a:avLst/>
-          </a:prstGeom>
-        </p:spPr>
-        <p:txBody>
-          <a:bodyPr wrap="square" lIns="91425" tIns="91425" rIns="91425" bIns="91425" anchor="t" anchorCtr="0">
-            <a:noAutofit/>
-          </a:bodyPr>
-          <a:lstStyle/>
-          <a:p>
-            <a:pPr marL="0" lvl="0" indent="0">
-              <a:spcBef>
-                <a:spcPts val="0"/>
-              </a:spcBef>
-              <a:buNone/>
-            </a:pPr>
-            <a:r>
-              <a:rPr lang="it-IT" dirty="0" smtClean="0"/>
-              <a:t>Change the function to validate the Task Name adding decorator functionality based </a:t>
-            </a:r>
-            <a:endParaRPr lang="en" dirty="0"/>
-          </a:p>
-          <a:p>
-            <a:pPr marL="0" lvl="0" indent="0">
-              <a:spcBef>
-                <a:spcPts val="0"/>
-              </a:spcBef>
-              <a:buNone/>
-            </a:pPr>
-            <a:endParaRPr lang="en" dirty="0"/>
-          </a:p>
-        </p:txBody>
-      </p:sp>
-      <p:sp>
-        <p:nvSpPr>
-          <p:cNvPr id="7" name="Shape 122"/>
-          <p:cNvSpPr txBox="1">
-            <a:spLocks noGrp="1"/>
-          </p:cNvSpPr>
-          <p:nvPr>
-            <p:ph type="body" idx="2"/>
-          </p:nvPr>
-        </p:nvSpPr>
-        <p:spPr>
-          <a:xfrm>
-            <a:off x="4710146" y="1016000"/>
-            <a:ext cx="4433853" cy="3805980"/>
-          </a:xfrm>
-          <a:prstGeom prst="rect">
-            <a:avLst/>
-          </a:prstGeom>
-        </p:spPr>
-        <p:txBody>
-          <a:bodyPr wrap="square" lIns="91425" tIns="91425" rIns="91425" bIns="91425" anchor="t" anchorCtr="0">
-            <a:noAutofit/>
-          </a:bodyPr>
-          <a:lstStyle/>
-          <a:p>
-            <a:pPr marL="457200" lvl="0" indent="-342900">
-              <a:buFont typeface="+mj-lt"/>
-              <a:buAutoNum type="arabicPeriod"/>
-            </a:pPr>
-            <a:r>
-              <a:rPr lang="en" dirty="0"/>
-              <a:t>Review the </a:t>
-            </a:r>
-            <a:r>
-              <a:rPr lang="en" dirty="0" smtClean="0"/>
-              <a:t>ValidateTask() function</a:t>
-            </a:r>
-            <a:endParaRPr lang="en" dirty="0"/>
-          </a:p>
-          <a:p>
-            <a:pPr marL="114300">
-              <a:buNone/>
-            </a:pPr>
-            <a:r>
-              <a:rPr lang="it-IT" sz="800" dirty="0" smtClean="0">
-                <a:solidFill>
-                  <a:srgbClr val="FA8006"/>
-                </a:solidFill>
-                <a:latin typeface="Courier New" panose="02070309020205020404" pitchFamily="49" charset="0"/>
-                <a:cs typeface="Courier New" panose="02070309020205020404" pitchFamily="49" charset="0"/>
-              </a:rPr>
-              <a:t>./ComputerProgrammingBasic/exercise4/TaskModel.js</a:t>
-            </a:r>
-            <a:endParaRPr lang="en" dirty="0" smtClean="0"/>
-          </a:p>
-          <a:p>
-            <a:pPr marL="457200" indent="-342900">
-              <a:buFont typeface="+mj-lt"/>
-              <a:buAutoNum type="arabicPeriod" startAt="2"/>
-            </a:pPr>
-            <a:r>
-              <a:rPr lang="en" dirty="0" smtClean="0"/>
-              <a:t>Add </a:t>
-            </a:r>
-            <a:r>
-              <a:rPr lang="it-IT" b="1" dirty="0" smtClean="0">
-                <a:latin typeface="Microsoft YaHei UI" panose="020B0503020204020204" pitchFamily="34" charset="-122"/>
-                <a:ea typeface="Microsoft YaHei UI" panose="020B0503020204020204" pitchFamily="34" charset="-122"/>
-              </a:rPr>
-              <a:t>else if </a:t>
-            </a:r>
-            <a:r>
-              <a:rPr lang="it-IT" dirty="0" smtClean="0">
-                <a:latin typeface="Microsoft YaHei UI" panose="020B0503020204020204" pitchFamily="34" charset="-122"/>
-                <a:ea typeface="Microsoft YaHei UI" panose="020B0503020204020204" pitchFamily="34" charset="-122"/>
-              </a:rPr>
-              <a:t>statement to decorate the task with different color and size based on its name</a:t>
-            </a:r>
-            <a:endParaRPr lang="en" dirty="0"/>
-          </a:p>
-          <a:p>
-            <a:pPr>
-              <a:lnSpc>
-                <a:spcPct val="100000"/>
-              </a:lnSpc>
-              <a:spcAft>
-                <a:spcPts val="0"/>
-              </a:spcAft>
-              <a:buNone/>
-            </a:pPr>
-            <a:r>
-              <a:rPr lang="it-IT" sz="800" dirty="0" smtClean="0">
-                <a:solidFill>
-                  <a:srgbClr val="FA8006"/>
-                </a:solidFill>
-                <a:latin typeface="Courier New" panose="02070309020205020404" pitchFamily="49" charset="0"/>
-                <a:cs typeface="Courier New" panose="02070309020205020404" pitchFamily="49" charset="0"/>
-              </a:rPr>
-              <a:t>   e.g. </a:t>
-            </a:r>
-            <a:r>
-              <a:rPr lang="it-IT" sz="800" dirty="0">
-                <a:solidFill>
-                  <a:srgbClr val="FA8006"/>
-                </a:solidFill>
-                <a:latin typeface="Courier New" panose="02070309020205020404" pitchFamily="49" charset="0"/>
-                <a:cs typeface="Courier New" panose="02070309020205020404" pitchFamily="49" charset="0"/>
-              </a:rPr>
-              <a:t> </a:t>
-            </a:r>
-            <a:r>
-              <a:rPr lang="it-IT" sz="800" dirty="0" smtClean="0">
-                <a:solidFill>
-                  <a:srgbClr val="FA8006"/>
-                </a:solidFill>
-                <a:latin typeface="Courier New" panose="02070309020205020404" pitchFamily="49" charset="0"/>
-                <a:cs typeface="Courier New" panose="02070309020205020404" pitchFamily="49" charset="0"/>
-              </a:rPr>
-              <a:t> </a:t>
-            </a:r>
-          </a:p>
-          <a:p>
-            <a:pPr>
-              <a:lnSpc>
-                <a:spcPct val="100000"/>
-              </a:lnSpc>
-              <a:spcAft>
-                <a:spcPts val="0"/>
-              </a:spcAft>
-              <a:buNone/>
-            </a:pPr>
-            <a:r>
-              <a:rPr lang="it-IT" sz="800" dirty="0" smtClean="0">
-                <a:solidFill>
-                  <a:srgbClr val="FA8006"/>
-                </a:solidFill>
-                <a:latin typeface="Courier New" panose="02070309020205020404" pitchFamily="49" charset="0"/>
-                <a:cs typeface="Courier New" panose="02070309020205020404" pitchFamily="49" charset="0"/>
-              </a:rPr>
-              <a:t>        ...</a:t>
-            </a:r>
-          </a:p>
-          <a:p>
-            <a:pPr>
-              <a:lnSpc>
-                <a:spcPct val="100000"/>
-              </a:lnSpc>
-              <a:spcAft>
-                <a:spcPts val="0"/>
-              </a:spcAft>
-              <a:buNone/>
-            </a:pPr>
-            <a:r>
-              <a:rPr lang="it-IT" sz="800" dirty="0">
-                <a:solidFill>
-                  <a:srgbClr val="FA8006"/>
-                </a:solidFill>
-                <a:latin typeface="Courier New" panose="02070309020205020404" pitchFamily="49" charset="0"/>
-                <a:cs typeface="Courier New" panose="02070309020205020404" pitchFamily="49" charset="0"/>
-              </a:rPr>
-              <a:t> </a:t>
-            </a:r>
-            <a:r>
-              <a:rPr lang="it-IT" sz="800" dirty="0" smtClean="0">
-                <a:solidFill>
-                  <a:srgbClr val="FA8006"/>
-                </a:solidFill>
-                <a:latin typeface="Courier New" panose="02070309020205020404" pitchFamily="49" charset="0"/>
-                <a:cs typeface="Courier New" panose="02070309020205020404" pitchFamily="49" charset="0"/>
-              </a:rPr>
-              <a:t>       </a:t>
-            </a:r>
-            <a:r>
-              <a:rPr lang="it-IT" sz="800" b="1" dirty="0" smtClean="0">
-                <a:solidFill>
-                  <a:srgbClr val="FF0000"/>
-                </a:solidFill>
-                <a:latin typeface="Courier New" panose="02070309020205020404" pitchFamily="49" charset="0"/>
-                <a:cs typeface="Courier New" panose="02070309020205020404" pitchFamily="49" charset="0"/>
-              </a:rPr>
-              <a:t>if </a:t>
-            </a:r>
-            <a:r>
-              <a:rPr lang="it-IT" sz="800" b="1" dirty="0">
-                <a:solidFill>
-                  <a:srgbClr val="FF0000"/>
-                </a:solidFill>
-                <a:latin typeface="Courier New" panose="02070309020205020404" pitchFamily="49" charset="0"/>
-                <a:cs typeface="Courier New" panose="02070309020205020404" pitchFamily="49" charset="0"/>
-              </a:rPr>
-              <a:t>(</a:t>
-            </a:r>
-            <a:r>
-              <a:rPr lang="it-IT" sz="800" b="1" smtClean="0">
-                <a:solidFill>
-                  <a:srgbClr val="FF0000"/>
-                </a:solidFill>
-                <a:latin typeface="Courier New" panose="02070309020205020404" pitchFamily="49" charset="0"/>
-                <a:cs typeface="Courier New" panose="02070309020205020404" pitchFamily="49" charset="0"/>
-              </a:rPr>
-              <a:t>taskName.indexOf("Important</a:t>
-            </a:r>
-            <a:r>
-              <a:rPr lang="it-IT" sz="800" b="1" dirty="0" smtClean="0">
-                <a:solidFill>
-                  <a:srgbClr val="FF0000"/>
-                </a:solidFill>
-                <a:latin typeface="Courier New" panose="02070309020205020404" pitchFamily="49" charset="0"/>
-                <a:cs typeface="Courier New" panose="02070309020205020404" pitchFamily="49" charset="0"/>
-              </a:rPr>
-              <a:t>") != -1)</a:t>
-            </a:r>
-            <a:endParaRPr lang="it-IT" sz="800" b="1" dirty="0">
-              <a:solidFill>
-                <a:srgbClr val="FF0000"/>
-              </a:solidFill>
-              <a:latin typeface="Courier New" panose="02070309020205020404" pitchFamily="49" charset="0"/>
-              <a:cs typeface="Courier New" panose="02070309020205020404" pitchFamily="49" charset="0"/>
-            </a:endParaRPr>
-          </a:p>
-          <a:p>
-            <a:pPr>
-              <a:lnSpc>
-                <a:spcPct val="100000"/>
-              </a:lnSpc>
-              <a:spcAft>
-                <a:spcPts val="0"/>
-              </a:spcAft>
-              <a:buNone/>
-            </a:pPr>
-            <a:r>
-              <a:rPr lang="it-IT" sz="800" b="1" dirty="0" smtClean="0">
-                <a:solidFill>
-                  <a:srgbClr val="FF0000"/>
-                </a:solidFill>
-                <a:latin typeface="Courier New" panose="02070309020205020404" pitchFamily="49" charset="0"/>
-                <a:cs typeface="Courier New" panose="02070309020205020404" pitchFamily="49" charset="0"/>
-              </a:rPr>
-              <a:t>        {</a:t>
-            </a:r>
-            <a:endParaRPr lang="it-IT" sz="800" b="1" dirty="0">
-              <a:solidFill>
-                <a:srgbClr val="FF0000"/>
-              </a:solidFill>
-              <a:latin typeface="Courier New" panose="02070309020205020404" pitchFamily="49" charset="0"/>
-              <a:cs typeface="Courier New" panose="02070309020205020404" pitchFamily="49" charset="0"/>
-            </a:endParaRPr>
-          </a:p>
-          <a:p>
-            <a:pPr>
-              <a:lnSpc>
-                <a:spcPct val="100000"/>
-              </a:lnSpc>
-              <a:spcAft>
-                <a:spcPts val="0"/>
-              </a:spcAft>
-              <a:buNone/>
-            </a:pPr>
-            <a:r>
-              <a:rPr lang="it-IT" sz="800" b="1" dirty="0" smtClean="0">
-                <a:solidFill>
-                  <a:srgbClr val="FF0000"/>
-                </a:solidFill>
-                <a:latin typeface="Courier New" panose="02070309020205020404" pitchFamily="49" charset="0"/>
-                <a:cs typeface="Courier New" panose="02070309020205020404" pitchFamily="49" charset="0"/>
-              </a:rPr>
-              <a:t>           task.taskColor </a:t>
-            </a:r>
-            <a:r>
-              <a:rPr lang="it-IT" sz="800" b="1" dirty="0">
-                <a:solidFill>
-                  <a:srgbClr val="FF0000"/>
-                </a:solidFill>
-                <a:latin typeface="Courier New" panose="02070309020205020404" pitchFamily="49" charset="0"/>
-                <a:cs typeface="Courier New" panose="02070309020205020404" pitchFamily="49" charset="0"/>
-              </a:rPr>
-              <a:t>= </a:t>
-            </a:r>
-            <a:r>
-              <a:rPr lang="it-IT" sz="800" b="1" dirty="0" smtClean="0">
-                <a:solidFill>
-                  <a:srgbClr val="FF0000"/>
-                </a:solidFill>
-                <a:latin typeface="Courier New" panose="02070309020205020404" pitchFamily="49" charset="0"/>
-                <a:cs typeface="Courier New" panose="02070309020205020404" pitchFamily="49" charset="0"/>
-              </a:rPr>
-              <a:t>"red";</a:t>
-            </a:r>
-            <a:endParaRPr lang="it-IT" sz="800" b="1" dirty="0">
-              <a:solidFill>
-                <a:srgbClr val="FF0000"/>
-              </a:solidFill>
-              <a:latin typeface="Courier New" panose="02070309020205020404" pitchFamily="49" charset="0"/>
-              <a:cs typeface="Courier New" panose="02070309020205020404" pitchFamily="49" charset="0"/>
-            </a:endParaRPr>
-          </a:p>
-          <a:p>
-            <a:pPr>
-              <a:lnSpc>
-                <a:spcPct val="100000"/>
-              </a:lnSpc>
-              <a:spcAft>
-                <a:spcPts val="0"/>
-              </a:spcAft>
-              <a:buNone/>
-            </a:pPr>
-            <a:r>
-              <a:rPr lang="it-IT" sz="800" b="1" dirty="0" smtClean="0">
-                <a:solidFill>
-                  <a:srgbClr val="FF0000"/>
-                </a:solidFill>
-                <a:latin typeface="Courier New" panose="02070309020205020404" pitchFamily="49" charset="0"/>
-                <a:cs typeface="Courier New" panose="02070309020205020404" pitchFamily="49" charset="0"/>
-              </a:rPr>
-              <a:t>           task.taskSize </a:t>
-            </a:r>
-            <a:r>
-              <a:rPr lang="it-IT" sz="800" b="1" dirty="0">
-                <a:solidFill>
-                  <a:srgbClr val="FF0000"/>
-                </a:solidFill>
-                <a:latin typeface="Courier New" panose="02070309020205020404" pitchFamily="49" charset="0"/>
-                <a:cs typeface="Courier New" panose="02070309020205020404" pitchFamily="49" charset="0"/>
-              </a:rPr>
-              <a:t>= "</a:t>
-            </a:r>
-            <a:r>
-              <a:rPr lang="it-IT" sz="800" b="1" dirty="0" smtClean="0">
-                <a:solidFill>
-                  <a:srgbClr val="FF0000"/>
-                </a:solidFill>
-                <a:latin typeface="Courier New" panose="02070309020205020404" pitchFamily="49" charset="0"/>
-                <a:cs typeface="Courier New" panose="02070309020205020404" pitchFamily="49" charset="0"/>
-              </a:rPr>
-              <a:t>120%";</a:t>
-            </a:r>
-            <a:endParaRPr lang="it-IT" sz="800" b="1" dirty="0">
-              <a:solidFill>
-                <a:srgbClr val="FF0000"/>
-              </a:solidFill>
-              <a:latin typeface="Courier New" panose="02070309020205020404" pitchFamily="49" charset="0"/>
-              <a:cs typeface="Courier New" panose="02070309020205020404" pitchFamily="49" charset="0"/>
-            </a:endParaRPr>
-          </a:p>
-          <a:p>
-            <a:pPr>
-              <a:lnSpc>
-                <a:spcPct val="100000"/>
-              </a:lnSpc>
-              <a:spcAft>
-                <a:spcPts val="0"/>
-              </a:spcAft>
-              <a:buNone/>
-            </a:pPr>
-            <a:r>
-              <a:rPr lang="it-IT" sz="800" b="1" dirty="0" smtClean="0">
-                <a:solidFill>
-                  <a:srgbClr val="FF0000"/>
-                </a:solidFill>
-                <a:latin typeface="Courier New" panose="02070309020205020404" pitchFamily="49" charset="0"/>
-                <a:cs typeface="Courier New" panose="02070309020205020404" pitchFamily="49" charset="0"/>
-              </a:rPr>
-              <a:t>        }</a:t>
-            </a:r>
-            <a:endParaRPr lang="it-IT" sz="800" b="1" dirty="0">
-              <a:solidFill>
-                <a:srgbClr val="FF0000"/>
-              </a:solidFill>
-              <a:latin typeface="Courier New" panose="02070309020205020404" pitchFamily="49" charset="0"/>
-              <a:cs typeface="Courier New" panose="02070309020205020404" pitchFamily="49" charset="0"/>
-            </a:endParaRPr>
-          </a:p>
-          <a:p>
-            <a:pPr>
-              <a:lnSpc>
-                <a:spcPct val="100000"/>
-              </a:lnSpc>
-              <a:spcAft>
-                <a:spcPts val="0"/>
-              </a:spcAft>
-              <a:buNone/>
-            </a:pPr>
-            <a:r>
-              <a:rPr lang="it-IT" sz="800" b="1" dirty="0">
-                <a:solidFill>
-                  <a:srgbClr val="FF0000"/>
-                </a:solidFill>
-                <a:latin typeface="Courier New" panose="02070309020205020404" pitchFamily="49" charset="0"/>
-                <a:cs typeface="Courier New" panose="02070309020205020404" pitchFamily="49" charset="0"/>
-              </a:rPr>
-              <a:t>        </a:t>
-            </a:r>
-            <a:r>
-              <a:rPr lang="it-IT" sz="800" b="1" dirty="0" smtClean="0">
-                <a:solidFill>
-                  <a:srgbClr val="FF0000"/>
-                </a:solidFill>
-                <a:latin typeface="Courier New" panose="02070309020205020404" pitchFamily="49" charset="0"/>
-                <a:cs typeface="Courier New" panose="02070309020205020404" pitchFamily="49" charset="0"/>
-              </a:rPr>
-              <a:t>else </a:t>
-            </a:r>
-            <a:r>
-              <a:rPr lang="it-IT" sz="800" dirty="0" smtClean="0">
-                <a:solidFill>
-                  <a:srgbClr val="FA8006"/>
-                </a:solidFill>
-                <a:latin typeface="Courier New" panose="02070309020205020404" pitchFamily="49" charset="0"/>
-                <a:cs typeface="Courier New" panose="02070309020205020404" pitchFamily="49" charset="0"/>
-              </a:rPr>
-              <a:t>if (</a:t>
-            </a:r>
-            <a:r>
-              <a:rPr lang="it-IT" sz="800" dirty="0">
-                <a:solidFill>
-                  <a:srgbClr val="FA8006"/>
-                </a:solidFill>
-                <a:latin typeface="Courier New" panose="02070309020205020404" pitchFamily="49" charset="0"/>
-                <a:cs typeface="Courier New" panose="02070309020205020404" pitchFamily="49" charset="0"/>
-              </a:rPr>
-              <a:t>taskName != "")</a:t>
-            </a:r>
-            <a:r>
-              <a:rPr lang="it-IT" sz="800" dirty="0" smtClean="0">
-                <a:solidFill>
-                  <a:srgbClr val="FA8006"/>
-                </a:solidFill>
-                <a:latin typeface="Courier New" panose="02070309020205020404" pitchFamily="49" charset="0"/>
-                <a:cs typeface="Courier New" panose="02070309020205020404" pitchFamily="49" charset="0"/>
-              </a:rPr>
-              <a:t>)</a:t>
-            </a:r>
-            <a:endParaRPr lang="it-IT" sz="800" dirty="0">
-              <a:solidFill>
-                <a:srgbClr val="FA8006"/>
-              </a:solidFill>
-              <a:latin typeface="Courier New" panose="02070309020205020404" pitchFamily="49" charset="0"/>
-              <a:cs typeface="Courier New" panose="02070309020205020404" pitchFamily="49" charset="0"/>
-            </a:endParaRPr>
-          </a:p>
-          <a:p>
-            <a:pPr>
-              <a:lnSpc>
-                <a:spcPct val="100000"/>
-              </a:lnSpc>
-              <a:spcAft>
-                <a:spcPts val="0"/>
-              </a:spcAft>
-              <a:buNone/>
-            </a:pPr>
-            <a:r>
-              <a:rPr lang="it-IT" sz="800" dirty="0">
-                <a:solidFill>
-                  <a:srgbClr val="FA8006"/>
-                </a:solidFill>
-                <a:latin typeface="Courier New" panose="02070309020205020404" pitchFamily="49" charset="0"/>
-                <a:cs typeface="Courier New" panose="02070309020205020404" pitchFamily="49" charset="0"/>
-              </a:rPr>
-              <a:t>        </a:t>
-            </a:r>
-            <a:r>
-              <a:rPr lang="it-IT" sz="800" dirty="0" smtClean="0">
-                <a:solidFill>
-                  <a:srgbClr val="FA8006"/>
-                </a:solidFill>
-                <a:latin typeface="Courier New" panose="02070309020205020404" pitchFamily="49" charset="0"/>
-                <a:cs typeface="Courier New" panose="02070309020205020404" pitchFamily="49" charset="0"/>
-              </a:rPr>
-              <a:t>{</a:t>
-            </a:r>
-            <a:endParaRPr lang="it-IT" sz="800" dirty="0">
-              <a:solidFill>
-                <a:srgbClr val="FA8006"/>
-              </a:solidFill>
-              <a:latin typeface="Courier New" panose="02070309020205020404" pitchFamily="49" charset="0"/>
-              <a:cs typeface="Courier New" panose="02070309020205020404" pitchFamily="49" charset="0"/>
-            </a:endParaRPr>
-          </a:p>
-          <a:p>
-            <a:pPr>
-              <a:lnSpc>
-                <a:spcPct val="100000"/>
-              </a:lnSpc>
-              <a:spcAft>
-                <a:spcPts val="0"/>
-              </a:spcAft>
-              <a:buNone/>
-            </a:pPr>
-            <a:r>
-              <a:rPr lang="it-IT" sz="800" dirty="0">
-                <a:solidFill>
-                  <a:srgbClr val="FA8006"/>
-                </a:solidFill>
-                <a:latin typeface="Courier New" panose="02070309020205020404" pitchFamily="49" charset="0"/>
-                <a:cs typeface="Courier New" panose="02070309020205020404" pitchFamily="49" charset="0"/>
-              </a:rPr>
-              <a:t>           task.taskColor = "black";</a:t>
-            </a:r>
-          </a:p>
-          <a:p>
-            <a:pPr>
-              <a:lnSpc>
-                <a:spcPct val="100000"/>
-              </a:lnSpc>
-              <a:spcAft>
-                <a:spcPts val="0"/>
-              </a:spcAft>
-              <a:buNone/>
-            </a:pPr>
-            <a:r>
-              <a:rPr lang="it-IT" sz="800" dirty="0">
-                <a:solidFill>
-                  <a:srgbClr val="FA8006"/>
-                </a:solidFill>
-                <a:latin typeface="Courier New" panose="02070309020205020404" pitchFamily="49" charset="0"/>
-                <a:cs typeface="Courier New" panose="02070309020205020404" pitchFamily="49" charset="0"/>
-              </a:rPr>
-              <a:t>           task.taskSize = "100</a:t>
-            </a:r>
-            <a:r>
-              <a:rPr lang="it-IT" sz="800" dirty="0" smtClean="0">
-                <a:solidFill>
-                  <a:srgbClr val="FA8006"/>
-                </a:solidFill>
-                <a:latin typeface="Courier New" panose="02070309020205020404" pitchFamily="49" charset="0"/>
-                <a:cs typeface="Courier New" panose="02070309020205020404" pitchFamily="49" charset="0"/>
-              </a:rPr>
-              <a:t>%";</a:t>
-            </a:r>
-          </a:p>
-          <a:p>
-            <a:pPr>
-              <a:lnSpc>
-                <a:spcPct val="100000"/>
-              </a:lnSpc>
-              <a:spcAft>
-                <a:spcPts val="0"/>
-              </a:spcAft>
-              <a:buNone/>
-            </a:pPr>
-            <a:r>
-              <a:rPr lang="it-IT" sz="800" dirty="0">
-                <a:solidFill>
-                  <a:srgbClr val="FA8006"/>
-                </a:solidFill>
-                <a:latin typeface="Courier New" panose="02070309020205020404" pitchFamily="49" charset="0"/>
-                <a:cs typeface="Courier New" panose="02070309020205020404" pitchFamily="49" charset="0"/>
-              </a:rPr>
-              <a:t> </a:t>
-            </a:r>
-            <a:r>
-              <a:rPr lang="it-IT" sz="800" dirty="0" smtClean="0">
-                <a:solidFill>
-                  <a:srgbClr val="FA8006"/>
-                </a:solidFill>
-                <a:latin typeface="Courier New" panose="02070309020205020404" pitchFamily="49" charset="0"/>
-                <a:cs typeface="Courier New" panose="02070309020205020404" pitchFamily="49" charset="0"/>
-              </a:rPr>
-              <a:t>       }</a:t>
-            </a:r>
-          </a:p>
-          <a:p>
-            <a:pPr>
-              <a:lnSpc>
-                <a:spcPct val="100000"/>
-              </a:lnSpc>
-              <a:spcAft>
-                <a:spcPts val="0"/>
-              </a:spcAft>
-              <a:buNone/>
-            </a:pPr>
-            <a:r>
-              <a:rPr lang="it-IT" sz="800" dirty="0">
-                <a:solidFill>
-                  <a:srgbClr val="FA8006"/>
-                </a:solidFill>
-                <a:latin typeface="Courier New" panose="02070309020205020404" pitchFamily="49" charset="0"/>
-                <a:cs typeface="Courier New" panose="02070309020205020404" pitchFamily="49" charset="0"/>
-              </a:rPr>
-              <a:t> </a:t>
-            </a:r>
-            <a:r>
-              <a:rPr lang="it-IT" sz="800" dirty="0" smtClean="0">
-                <a:solidFill>
-                  <a:srgbClr val="FA8006"/>
-                </a:solidFill>
-                <a:latin typeface="Courier New" panose="02070309020205020404" pitchFamily="49" charset="0"/>
-                <a:cs typeface="Courier New" panose="02070309020205020404" pitchFamily="49" charset="0"/>
-              </a:rPr>
-              <a:t>       ...</a:t>
-            </a:r>
-          </a:p>
-          <a:p>
-            <a:pPr>
-              <a:lnSpc>
-                <a:spcPct val="100000"/>
-              </a:lnSpc>
-              <a:spcAft>
-                <a:spcPts val="0"/>
-              </a:spcAft>
-              <a:buNone/>
-            </a:pPr>
-            <a:endParaRPr lang="en" dirty="0"/>
-          </a:p>
-        </p:txBody>
-      </p:sp>
-    </p:spTree>
-    <p:extLst>
-      <p:ext uri="{BB962C8B-B14F-4D97-AF65-F5344CB8AC3E}">
-        <p14:creationId xmlns:p14="http://schemas.microsoft.com/office/powerpoint/2010/main" val="1546158201"/>
-      </p:ext>
-    </p:extLst>
-  </p:cSld>
-  <p:clrMapOvr>
-    <a:masterClrMapping/>
-  </p:clrMapOvr>
-</p:sld>
-</file>
-
-<file path=ppt/slides/slide12.xml><?xml version="1.0" encoding="utf-8"?>
 <p:sld xmlns:a="http://schemas.openxmlformats.org/drawingml/2006/main" xmlns:r="http://schemas.openxmlformats.org/officeDocument/2006/relationships" xmlns:p="http://schemas.openxmlformats.org/presentationml/2006/main">
   <p:cSld>
     <p:spTree>
@@ -8221,7 +6546,7 @@
             </a:pPr>
             <a:fld id="{00000000-1234-1234-1234-123412341234}" type="slidenum">
               <a:rPr lang="en"/>
-              <a:t>12</a:t>
+              <a:t>11</a:t>
             </a:fld>
             <a:endParaRPr lang="en"/>
           </a:p>
@@ -9025,11 +7350,36 @@
             </a:pPr>
             <a:r>
               <a:rPr lang="en-US" dirty="0"/>
-              <a:t>Design patterns </a:t>
+              <a:t>Ubiquitous access to shared pools of configurable system resources and higher-level </a:t>
             </a:r>
             <a:r>
               <a:rPr lang="en-US" dirty="0" smtClean="0"/>
-              <a:t>is a template documentation containing formalized best practices that the programmer can use during designing of SW Application and System</a:t>
+              <a:t>services.</a:t>
+            </a:r>
+          </a:p>
+          <a:p>
+            <a:pPr lvl="0" algn="just">
+              <a:buNone/>
+            </a:pPr>
+            <a:r>
+              <a:rPr lang="en-US" dirty="0" smtClean="0"/>
+              <a:t>Three </a:t>
+            </a:r>
+            <a:r>
+              <a:rPr lang="en-US" dirty="0"/>
+              <a:t>standard models </a:t>
+            </a:r>
+            <a:r>
+              <a:rPr lang="en-US" dirty="0" smtClean="0"/>
+              <a:t>are </a:t>
+            </a:r>
+            <a:r>
+              <a:rPr lang="en-US" dirty="0"/>
+              <a:t>Infrastructure as a Service (IaaS), Platform as a Service (PaaS), and Software as a Service (</a:t>
+            </a:r>
+            <a:r>
+              <a:rPr lang="en-US" dirty="0" smtClean="0"/>
+              <a:t>SaaS)</a:t>
             </a:r>
             <a:endParaRPr lang="en" dirty="0"/>
           </a:p>
@@ -9063,23 +7413,15 @@
             <a:pPr lvl="0"/>
             <a:r>
               <a:rPr lang="en-US" sz="2000" i="1" dirty="0" smtClean="0"/>
-              <a:t>How </a:t>
+              <a:t>Cloud </a:t>
             </a:r>
             <a:r>
               <a:rPr lang="en-US" sz="2000" i="1" dirty="0"/>
-              <a:t>to solve </a:t>
+              <a:t>computing relies on sharing of resources to achieve coherence and economies of scale, similar to a public </a:t>
             </a:r>
             <a:r>
               <a:rPr lang="en-US" sz="2000" i="1" dirty="0" smtClean="0"/>
-              <a:t>common problems present in many </a:t>
-            </a:r>
-            <a:r>
-              <a:rPr lang="en-US" sz="2000" i="1" dirty="0"/>
-              <a:t>different </a:t>
-            </a:r>
-            <a:r>
-              <a:rPr lang="en-US" sz="2000" i="1" dirty="0" smtClean="0"/>
-              <a:t>situations when designing a SW?</a:t>
+              <a:t>utility</a:t>
             </a:r>
             <a:endParaRPr lang="en" sz="2000" i="1" dirty="0"/>
           </a:p>
@@ -9126,7 +7468,7 @@
       </p:sp>
       <p:pic>
         <p:nvPicPr>
-          <p:cNvPr id="1028" name="Picture 4" descr="Risultati immagini per design pattern lego"/>
+          <p:cNvPr id="1026" name="Picture 2" descr="File:Cloud computing.svg"/>
           <p:cNvPicPr>
             <a:picLocks noChangeAspect="1" noChangeArrowheads="1"/>
           </p:cNvPicPr>
@@ -9147,8 +7489,8 @@
         </p:blipFill>
         <p:spPr bwMode="auto">
           <a:xfrm>
-            <a:off x="3529111" y="2177563"/>
-            <a:ext cx="4723726" cy="2479957"/>
+            <a:off x="3998046" y="1708111"/>
+            <a:ext cx="3785851" cy="3425567"/>
           </a:xfrm>
           <a:prstGeom prst="rect">
             <a:avLst/>
@@ -9195,47 +7537,6 @@
           <a:chExt cx="0" cy="0"/>
         </a:xfrm>
       </p:grpSpPr>
-      <p:pic>
-        <p:nvPicPr>
-          <p:cNvPr id="8" name="Picture 2" descr="Risultati immagini per design pattern"/>
-          <p:cNvPicPr>
-            <a:picLocks noChangeAspect="1" noChangeArrowheads="1"/>
-          </p:cNvPicPr>
-          <p:nvPr/>
-        </p:nvPicPr>
-        <p:blipFill>
-          <a:blip r:embed="rId3">
-            <a:extLst>
-              <a:ext uri="{28A0092B-C50C-407E-A947-70E740481C1C}">
-                <a14:useLocalDpi xmlns:a14="http://schemas.microsoft.com/office/drawing/2010/main" val="0"/>
-              </a:ext>
-            </a:extLst>
-          </a:blip>
-          <a:srcRect/>
-          <a:stretch>
-            <a:fillRect/>
-          </a:stretch>
-        </p:blipFill>
-        <p:spPr bwMode="auto">
-          <a:xfrm>
-            <a:off x="2585319" y="0"/>
-            <a:ext cx="6563714" cy="5143500"/>
-          </a:xfrm>
-          <a:prstGeom prst="rect">
-            <a:avLst/>
-          </a:prstGeom>
-          <a:noFill/>
-          <a:extLst>
-            <a:ext uri="{909E8E84-426E-40DD-AFC4-6F175D3DCCD1}">
-              <a14:hiddenFill xmlns:a14="http://schemas.microsoft.com/office/drawing/2010/main">
-                <a:solidFill>
-                  <a:srgbClr val="FFFFFF"/>
-                </a:solidFill>
-              </a14:hiddenFill>
-            </a:ext>
-          </a:extLst>
-        </p:spPr>
-      </p:pic>
       <p:sp>
         <p:nvSpPr>
           <p:cNvPr id="138" name="Shape 138"/>
@@ -9502,7 +7803,7 @@
           <a:p>
             <a:r>
               <a:rPr lang="en" dirty="0" smtClean="0"/>
-              <a:t>Design Pattern</a:t>
+              <a:t>AWS</a:t>
             </a:r>
             <a:endParaRPr lang="en" dirty="0"/>
           </a:p>
@@ -9792,7 +8093,67 @@
                 <a:cs typeface="Nunito Sans"/>
                 <a:sym typeface="Nunito Sans"/>
               </a:rPr>
-              <a:t>In 1994, </a:t>
+              <a:t>In 2003</a:t>
+            </a:r>
+            <a:r>
+              <a:rPr lang="en-US" sz="1200" i="0" dirty="0">
+                <a:solidFill>
+                  <a:srgbClr val="666666"/>
+                </a:solidFill>
+                <a:latin typeface="Nunito Sans"/>
+                <a:ea typeface="Nunito Sans"/>
+                <a:cs typeface="Nunito Sans"/>
+                <a:sym typeface="Nunito Sans"/>
+              </a:rPr>
+              <a:t>, the AWS concept was publicly reformulated when </a:t>
+            </a:r>
+            <a:r>
+              <a:rPr lang="en-US" i="0" dirty="0">
+                <a:solidFill>
+                  <a:srgbClr val="F67031"/>
+                </a:solidFill>
+                <a:latin typeface="Nunito Sans"/>
+                <a:ea typeface="Nunito Sans"/>
+                <a:cs typeface="Nunito Sans"/>
+                <a:sym typeface="Nunito Sans"/>
+              </a:rPr>
+              <a:t>Chris Pinkham </a:t>
+            </a:r>
+            <a:r>
+              <a:rPr lang="en-US" sz="1200" i="0" dirty="0">
+                <a:solidFill>
+                  <a:srgbClr val="666666"/>
+                </a:solidFill>
+                <a:latin typeface="Nunito Sans"/>
+                <a:ea typeface="Nunito Sans"/>
+                <a:cs typeface="Nunito Sans"/>
+                <a:sym typeface="Nunito Sans"/>
+              </a:rPr>
+              <a:t>and </a:t>
+            </a:r>
+            <a:r>
+              <a:rPr lang="en-US" i="0" dirty="0">
+                <a:solidFill>
+                  <a:srgbClr val="F67031"/>
+                </a:solidFill>
+                <a:latin typeface="Nunito Sans"/>
+                <a:ea typeface="Nunito Sans"/>
+                <a:cs typeface="Nunito Sans"/>
+                <a:sym typeface="Nunito Sans"/>
+              </a:rPr>
+              <a:t>Benjamin Black </a:t>
+            </a:r>
+            <a:r>
+              <a:rPr lang="en-US" sz="1200" i="0" dirty="0">
+                <a:solidFill>
+                  <a:srgbClr val="666666"/>
+                </a:solidFill>
+                <a:latin typeface="Nunito Sans"/>
+                <a:ea typeface="Nunito Sans"/>
+                <a:cs typeface="Nunito Sans"/>
+                <a:sym typeface="Nunito Sans"/>
+              </a:rPr>
+              <a:t>presented a paper describing a vision for Amazon's retail computing </a:t>
             </a:r>
             <a:r>
               <a:rPr lang="en-US" sz="1200" i="0" dirty="0" smtClean="0">
@@ -9802,20 +8163,13 @@
                 <a:latin typeface="Nunito Sans"/>
                 <a:ea typeface="Nunito Sans"/>
                 <a:cs typeface="Nunito Sans"/>
+                <a:sym typeface="Nunito Sans"/>
               </a:rPr>
-              <a:t>design </a:t>
+              <a:t>infrastructure.</a:t>
             </a:r>
-            <a:r>
-              <a:rPr lang="en-US" sz="1200" i="0" dirty="0">
-                <a:solidFill>
-                  <a:srgbClr val="666666"/>
-                </a:solidFill>
-                <a:latin typeface="Nunito Sans"/>
-                <a:ea typeface="Nunito Sans"/>
-                <a:cs typeface="Nunito Sans"/>
-              </a:rPr>
-              <a:t>patterns gained popularity in computer science after the book Design Patterns: Elements of Reusable Object-Oriented Software was </a:t>
-            </a:r>
+          </a:p>
+          <a:p>
+            <a:pPr algn="just"/>
             <a:r>
               <a:rPr lang="en-US" sz="1200" i="0" dirty="0" smtClean="0">
                 <a:solidFill>
@@ -9824,63 +8178,9 @@
                 <a:latin typeface="Nunito Sans"/>
                 <a:ea typeface="Nunito Sans"/>
                 <a:cs typeface="Nunito Sans"/>
+                <a:sym typeface="Nunito Sans"/>
               </a:rPr>
-              <a:t>published by the </a:t>
-            </a:r>
-            <a:r>
-              <a:rPr lang="en-US" sz="1200" i="0" dirty="0">
-                <a:solidFill>
-                  <a:srgbClr val="666666"/>
-                </a:solidFill>
-                <a:latin typeface="Nunito Sans"/>
-                <a:ea typeface="Nunito Sans"/>
-                <a:cs typeface="Nunito Sans"/>
-              </a:rPr>
-              <a:t>authors </a:t>
-            </a:r>
-            <a:r>
-              <a:rPr lang="en-US" i="0" dirty="0">
-                <a:solidFill>
-                  <a:srgbClr val="F67031"/>
-                </a:solidFill>
-                <a:latin typeface="Nunito Sans"/>
-                <a:ea typeface="Nunito Sans"/>
-                <a:cs typeface="Nunito Sans"/>
-              </a:rPr>
-              <a:t>Gamma, Helm, Johnson </a:t>
-            </a:r>
-            <a:r>
-              <a:rPr lang="en-US" sz="1200" i="0" dirty="0">
-                <a:solidFill>
-                  <a:srgbClr val="666666"/>
-                </a:solidFill>
-                <a:latin typeface="Nunito Sans"/>
-                <a:ea typeface="Nunito Sans"/>
-                <a:cs typeface="Nunito Sans"/>
-              </a:rPr>
-              <a:t>and</a:t>
-            </a:r>
-            <a:r>
-              <a:rPr lang="en-US" i="0" dirty="0">
-                <a:solidFill>
-                  <a:srgbClr val="F67031"/>
-                </a:solidFill>
-                <a:latin typeface="Nunito Sans"/>
-                <a:ea typeface="Nunito Sans"/>
-                <a:cs typeface="Nunito Sans"/>
-              </a:rPr>
-              <a:t> </a:t>
-            </a:r>
-            <a:r>
-              <a:rPr lang="en-US" i="0" dirty="0" err="1">
-                <a:solidFill>
-                  <a:srgbClr val="F67031"/>
-                </a:solidFill>
-                <a:latin typeface="Nunito Sans"/>
-                <a:ea typeface="Nunito Sans"/>
-                <a:cs typeface="Nunito Sans"/>
-              </a:rPr>
-              <a:t>Vlissides</a:t>
+              <a:t>In 2004, AWS launched is first service</a:t>
             </a:r>
             <a:endParaRPr lang="it-IT" i="0" dirty="0">
               <a:solidFill>
@@ -9896,14 +8196,14 @@
       </p:sp>
       <p:pic>
         <p:nvPicPr>
-          <p:cNvPr id="2050" name="Picture 2" descr="Immagine correlata"/>
+          <p:cNvPr id="2" name="Picture 2" descr="Amazon Web Services Logo"/>
           <p:cNvPicPr>
             <a:picLocks noChangeAspect="1" noChangeArrowheads="1"/>
           </p:cNvPicPr>
           <p:nvPr/>
         </p:nvPicPr>
         <p:blipFill>
-          <a:blip r:embed="rId4">
+          <a:blip r:embed="rId3">
             <a:extLst>
               <a:ext uri="{28A0092B-C50C-407E-A947-70E740481C1C}">
                 <a14:useLocalDpi xmlns:a14="http://schemas.microsoft.com/office/drawing/2010/main" val="0"/>
@@ -9917,8 +8217,8 @@
         </p:blipFill>
         <p:spPr bwMode="auto">
           <a:xfrm>
-            <a:off x="3112135" y="275882"/>
-            <a:ext cx="5510082" cy="4591735"/>
+            <a:off x="3563195" y="1466428"/>
+            <a:ext cx="4876800" cy="2924176"/>
           </a:xfrm>
           <a:prstGeom prst="rect">
             <a:avLst/>
@@ -10063,6 +8363,18 @@
               <a:buSzPts val="2400"/>
             </a:pPr>
             <a:r>
+              <a:rPr lang="en-US" sz="2000" i="1" dirty="0" smtClean="0">
+                <a:solidFill>
+                  <a:srgbClr val="FFFFFF"/>
+                </a:solidFill>
+                <a:latin typeface="Nunito Sans"/>
+                <a:ea typeface="Nunito Sans"/>
+                <a:cs typeface="Nunito Sans"/>
+                <a:sym typeface="Nunito Sans"/>
+              </a:rPr>
+              <a:t>Compute</a:t>
+            </a:r>
+            <a:r>
               <a:rPr lang="en-US" sz="2000" i="1" dirty="0">
                 <a:solidFill>
                   <a:srgbClr val="FFFFFF"/>
@@ -10072,7 +8384,7 @@
                 <a:cs typeface="Nunito Sans"/>
                 <a:sym typeface="Nunito Sans"/>
               </a:rPr>
-              <a:t>Creational patterns: </a:t>
+              <a:t>: allowing you to develop, deploy, run, and scale your applications and </a:t>
             </a:r>
             <a:r>
               <a:rPr lang="en-US" sz="2000" i="1" dirty="0" smtClean="0">
@@ -10084,7 +8396,7 @@
                 <a:cs typeface="Nunito Sans"/>
                 <a:sym typeface="Nunito Sans"/>
               </a:rPr>
-              <a:t>trying to create objects in a manner suitable to the situation</a:t>
+              <a:t>workloads</a:t>
             </a:r>
             <a:endParaRPr lang="en" sz="2000" i="1" dirty="0">
               <a:solidFill>
@@ -10107,14 +8419,14 @@
           <p:nvPr>
             <p:extLst>
               <p:ext uri="{D42A27DB-BD31-4B8C-83A1-F6EECF244321}">
-                <p14:modId xmlns:p14="http://schemas.microsoft.com/office/powerpoint/2010/main" val="272927171"/>
+                <p14:modId xmlns:p14="http://schemas.microsoft.com/office/powerpoint/2010/main" val="2964665349"/>
               </p:ext>
             </p:extLst>
           </p:nvPr>
         </p:nvGraphicFramePr>
         <p:xfrm>
           <a:off x="1089824" y="1828149"/>
-          <a:ext cx="6949002" cy="2049780"/>
+          <a:ext cx="6949002" cy="1647190"/>
         </p:xfrm>
         <a:graphic>
           <a:graphicData uri="http://schemas.openxmlformats.org/drawingml/2006/table">
@@ -10134,7 +8446,7 @@
                     <a:p>
                       <a:pPr algn="ctr" fontAlgn="ctr"/>
                       <a:r>
-                        <a:rPr lang="it-IT" sz="1600" b="0" i="1" u="none" strike="noStrike" cap="none" dirty="0">
+                        <a:rPr lang="it-IT" sz="1600" b="0" i="1" u="none" strike="noStrike" cap="none" dirty="0" smtClean="0">
                           <a:solidFill>
                             <a:srgbClr val="F67031"/>
                           </a:solidFill>
@@ -10143,8 +8455,142 @@
                           <a:cs typeface="Georgia"/>
                           <a:sym typeface="Georgia"/>
                         </a:rPr>
-                        <a:t>Builder</a:t>
+                        <a:t>EC2</a:t>
                       </a:r>
+                      <a:endParaRPr lang="it-IT" sz="1600" b="0" i="1" u="none" strike="noStrike" cap="none" dirty="0">
+                        <a:solidFill>
+                          <a:srgbClr val="F67031"/>
+                        </a:solidFill>
+                        <a:latin typeface="Georgia"/>
+                        <a:ea typeface="Georgia"/>
+                        <a:cs typeface="Georgia"/>
+                        <a:sym typeface="Georgia"/>
+                      </a:endParaRPr>
+                    </a:p>
+                  </a:txBody>
+                  <a:tcPr marL="9525" marR="9525" marT="9525" marB="0" anchor="ctr"/>
+                </a:tc>
+                <a:tc>
+                  <a:txBody>
+                    <a:bodyPr/>
+                    <a:lstStyle/>
+                    <a:p>
+                      <a:pPr>
+                        <a:spcBef>
+                          <a:spcPts val="1200"/>
+                        </a:spcBef>
+                        <a:spcAft>
+                          <a:spcPts val="960"/>
+                        </a:spcAft>
+                      </a:pPr>
+                      <a:r>
+                        <a:rPr lang="en-US" sz="1050" dirty="0" smtClean="0">
+                          <a:solidFill>
+                            <a:srgbClr val="333333"/>
+                          </a:solidFill>
+                          <a:effectLst/>
+                          <a:latin typeface="Helvetica" panose="020B0604020202020204" pitchFamily="34" charset="0"/>
+                        </a:rPr>
+                        <a:t/>
+                      </a:r>
+                      <a:br>
+                        <a:rPr lang="en-US" sz="1050" dirty="0" smtClean="0">
+                          <a:solidFill>
+                            <a:srgbClr val="333333"/>
+                          </a:solidFill>
+                          <a:effectLst/>
+                          <a:latin typeface="Helvetica" panose="020B0604020202020204" pitchFamily="34" charset="0"/>
+                        </a:rPr>
+                      </a:br>
+                      <a:r>
+                        <a:rPr lang="en-US" sz="1200" b="0" i="0" u="none" strike="noStrike" cap="none" dirty="0" smtClean="0">
+                          <a:solidFill>
+                            <a:srgbClr val="666666"/>
+                          </a:solidFill>
+                          <a:effectLst/>
+                          <a:latin typeface="Nunito Sans"/>
+                          <a:sym typeface="Arial"/>
+                        </a:rPr>
+                        <a:t>V</a:t>
+                      </a:r>
+                      <a:r>
+                        <a:rPr lang="en-US" sz="1200" b="0" i="0" u="none" strike="noStrike" cap="none" dirty="0" smtClean="0">
+                          <a:solidFill>
+                            <a:srgbClr val="666666"/>
+                          </a:solidFill>
+                          <a:latin typeface="Nunito Sans"/>
+                          <a:ea typeface="Nunito Sans"/>
+                          <a:cs typeface="Nunito Sans"/>
+                          <a:sym typeface="Arial"/>
+                        </a:rPr>
+                        <a:t>irtual machine </a:t>
+                      </a:r>
+                      <a:r>
+                        <a:rPr lang="en-US" sz="1200" b="0" i="0" u="none" strike="noStrike" cap="none" dirty="0" smtClean="0">
+                          <a:solidFill>
+                            <a:srgbClr val="666666"/>
+                          </a:solidFill>
+                          <a:latin typeface="Nunito Sans"/>
+                          <a:ea typeface="Nunito Sans"/>
+                          <a:cs typeface="Nunito Sans"/>
+                          <a:sym typeface="Arial"/>
+                        </a:rPr>
+                        <a:t>on the Cloud where</a:t>
+                      </a:r>
+                      <a:r>
+                        <a:rPr lang="en-US" sz="1200" b="0" i="0" u="none" strike="noStrike" cap="none" baseline="0" dirty="0" smtClean="0">
+                          <a:solidFill>
+                            <a:srgbClr val="666666"/>
+                          </a:solidFill>
+                          <a:latin typeface="Nunito Sans"/>
+                          <a:ea typeface="Nunito Sans"/>
+                          <a:cs typeface="Nunito Sans"/>
+                          <a:sym typeface="Arial"/>
+                        </a:rPr>
+                        <a:t> is possible to install and run applications</a:t>
+                      </a:r>
+                      <a:endParaRPr lang="en-US" sz="1200" b="0" i="0" u="none" strike="noStrike" cap="none" dirty="0">
+                        <a:solidFill>
+                          <a:srgbClr val="666666"/>
+                        </a:solidFill>
+                        <a:latin typeface="Nunito Sans"/>
+                        <a:ea typeface="Nunito Sans"/>
+                        <a:cs typeface="Nunito Sans"/>
+                        <a:sym typeface="Arial"/>
+                      </a:endParaRPr>
+                    </a:p>
+                  </a:txBody>
+                  <a:tcPr marL="68580" marR="68580" marT="0" marB="0"/>
+                </a:tc>
+              </a:tr>
+              <a:tr h="370840">
+                <a:tc>
+                  <a:txBody>
+                    <a:bodyPr/>
+                    <a:lstStyle/>
+                    <a:p>
+                      <a:pPr algn="ctr" fontAlgn="ctr"/>
+                      <a:r>
+                        <a:rPr lang="it-IT" sz="1600" b="0" i="1" u="none" strike="noStrike" cap="none" dirty="0" smtClean="0">
+                          <a:solidFill>
+                            <a:srgbClr val="F67031"/>
+                          </a:solidFill>
+                          <a:latin typeface="Georgia"/>
+                          <a:ea typeface="Georgia"/>
+                          <a:cs typeface="Georgia"/>
+                          <a:sym typeface="Georgia"/>
+                        </a:rPr>
+                        <a:t>EC2 Container Service</a:t>
+                      </a:r>
+                      <a:endParaRPr lang="it-IT" sz="1600" b="0" i="1" u="none" strike="noStrike" cap="none" dirty="0">
+                        <a:solidFill>
+                          <a:srgbClr val="F67031"/>
+                        </a:solidFill>
+                        <a:latin typeface="Georgia"/>
+                        <a:ea typeface="Georgia"/>
+                        <a:cs typeface="Georgia"/>
+                        <a:sym typeface="Georgia"/>
+                      </a:endParaRPr>
                     </a:p>
                   </a:txBody>
                   <a:tcPr marL="9525" marR="9525" marT="9525" marB="0" anchor="ctr"/>
@@ -10156,7 +8602,7 @@
                     <a:p>
                       <a:pPr algn="l" fontAlgn="ctr"/>
                       <a:r>
-                        <a:rPr lang="en-US" sz="1200" b="0" i="0" u="none" strike="noStrike" cap="none" dirty="0">
+                        <a:rPr lang="en-US" sz="1200" b="0" i="0" u="none" strike="noStrike" cap="none" dirty="0" smtClean="0">
                           <a:solidFill>
                             <a:srgbClr val="666666"/>
                           </a:solidFill>
@@ -10165,7 +8611,7 @@
                           <a:cs typeface="Nunito Sans"/>
                           <a:sym typeface="Georgia"/>
                         </a:rPr>
-                        <a:t>Separate the construction of a complex object from its representation, allowing the same construction process to create various </a:t>
+                        <a:t>Cluster Docker </a:t>
                       </a:r>
                       <a:r>
                         <a:rPr lang="en-US" sz="1200" b="0" i="0" u="none" strike="noStrike" cap="none" dirty="0" smtClean="0">
@@ -10177,53 +8623,10 @@
                           <a:cs typeface="Nunito Sans"/>
                           <a:sym typeface="Georgia"/>
                         </a:rPr>
-                        <a:t>representations</a:t>
+                        <a:t>container </a:t>
                       </a:r>
-                      <a:endParaRPr lang="en-US" sz="1200" b="0" i="0" u="none" strike="noStrike" cap="none" dirty="0">
-                        <a:solidFill>
-                          <a:srgbClr val="666666"/>
-                        </a:solidFill>
-                        <a:latin typeface="Nunito Sans"/>
-                        <a:ea typeface="Nunito Sans"/>
-                        <a:cs typeface="Nunito Sans"/>
-                        <a:sym typeface="Georgia"/>
-                      </a:endParaRPr>
-                    </a:p>
-                  </a:txBody>
-                  <a:tcPr marL="72000" marR="72000" marT="9525" marB="0" anchor="ctr"/>
-                </a:tc>
-              </a:tr>
-              <a:tr h="370840">
-                <a:tc>
-                  <a:txBody>
-                    <a:bodyPr/>
-                    <a:lstStyle/>
-                    <a:p>
-                      <a:pPr algn="ctr" fontAlgn="ctr"/>
                       <a:r>
-                        <a:rPr lang="it-IT" sz="1600" b="0" i="1" u="none" strike="noStrike" cap="none" dirty="0">
-                          <a:solidFill>
-                            <a:srgbClr val="F67031"/>
-                          </a:solidFill>
-                          <a:latin typeface="Georgia"/>
-                          <a:ea typeface="Georgia"/>
-                          <a:cs typeface="Georgia"/>
-                          <a:sym typeface="Georgia"/>
-                        </a:rPr>
-                        <a:t>Factory method</a:t>
-                      </a:r>
-                    </a:p>
-                  </a:txBody>
-                  <a:tcPr marL="9525" marR="9525" marT="9525" marB="0" anchor="ctr"/>
-                </a:tc>
-                <a:tc>
-                  <a:txBody>
-                    <a:bodyPr/>
-                    <a:lstStyle/>
-                    <a:p>
-                      <a:pPr algn="l" fontAlgn="ctr"/>
-                      <a:r>
-                        <a:rPr lang="en-US" sz="1200" b="0" i="0" u="none" strike="noStrike" cap="none" dirty="0">
+                        <a:rPr lang="en-US" sz="1200" b="0" i="0" u="none" strike="noStrike" cap="none" dirty="0" smtClean="0">
                           <a:solidFill>
                             <a:srgbClr val="666666"/>
                           </a:solidFill>
@@ -10232,7 +8635,7 @@
                           <a:cs typeface="Nunito Sans"/>
                           <a:sym typeface="Georgia"/>
                         </a:rPr>
-                        <a:t>Define an interface for creating a single object, but let subclasses decide which class to instantiate. Factory Method lets a class defer instantiation to subclasses.</a:t>
+                        <a:t>running on EC2</a:t>
                       </a:r>
                     </a:p>
                   </a:txBody>
@@ -10247,7 +8650,7 @@
                     <a:p>
                       <a:pPr algn="ctr" fontAlgn="ctr"/>
                       <a:r>
-                        <a:rPr lang="it-IT" sz="1600" b="0" i="1" u="none" strike="noStrike" cap="none" dirty="0">
+                        <a:rPr lang="it-IT" sz="1600" b="0" i="1" u="none" strike="noStrike" cap="none" dirty="0" smtClean="0">
                           <a:solidFill>
                             <a:srgbClr val="F67031"/>
                           </a:solidFill>
@@ -10256,8 +8659,17 @@
                           <a:cs typeface="Georgia"/>
                           <a:sym typeface="Georgia"/>
                         </a:rPr>
-                        <a:t>Object pool</a:t>
+                        <a:t>Elastic Beanstalk</a:t>
                       </a:r>
+                      <a:endParaRPr lang="it-IT" sz="1600" b="0" i="1" u="none" strike="noStrike" cap="none" dirty="0">
+                        <a:solidFill>
+                          <a:srgbClr val="F67031"/>
+                        </a:solidFill>
+                        <a:latin typeface="Georgia"/>
+                        <a:ea typeface="Georgia"/>
+                        <a:cs typeface="Georgia"/>
+                        <a:sym typeface="Georgia"/>
+                      </a:endParaRPr>
                     </a:p>
                   </a:txBody>
                   <a:tcPr marL="9525" marR="9525" marT="9525" marB="0" anchor="ctr"/>
@@ -10269,18 +8681,6 @@
                     <a:p>
                       <a:pPr algn="l" fontAlgn="ctr"/>
                       <a:r>
-                        <a:rPr lang="en-US" sz="1200" b="0" i="0" u="none" strike="noStrike" cap="none" dirty="0">
-                          <a:solidFill>
-                            <a:srgbClr val="666666"/>
-                          </a:solidFill>
-                          <a:latin typeface="Nunito Sans"/>
-                          <a:ea typeface="Nunito Sans"/>
-                          <a:cs typeface="Nunito Sans"/>
-                          <a:sym typeface="Georgia"/>
-                        </a:rPr>
-                        <a:t>Avoid expensive acquisition and release of resources by recycling objects that are no longer in use. Can be considered a </a:t>
-                      </a:r>
-                      <a:r>
                         <a:rPr lang="en-US" sz="1200" b="0" i="0" u="none" strike="noStrike" cap="none" dirty="0" smtClean="0">
                           <a:solidFill>
                             <a:srgbClr val="666666"/>
@@ -10290,19 +8690,7 @@
                           <a:cs typeface="Nunito Sans"/>
                           <a:sym typeface="Georgia"/>
                         </a:rPr>
-                        <a:t>generalization </a:t>
-                      </a:r>
-                      <a:r>
-                        <a:rPr lang="en-US" sz="1200" b="0" i="0" u="none" strike="noStrike" cap="none" dirty="0">
-                          <a:solidFill>
-                            <a:srgbClr val="666666"/>
-                          </a:solidFill>
-                          <a:latin typeface="Nunito Sans"/>
-                          <a:ea typeface="Nunito Sans"/>
-                          <a:cs typeface="Nunito Sans"/>
-                          <a:sym typeface="Georgia"/>
-                        </a:rPr>
-                        <a:t>of connection pool and thread pool patterns.</a:t>
+                        <a:t>GUI to provision all the resources needed from your application</a:t>
                       </a:r>
                     </a:p>
                   </a:txBody>
@@ -10317,7 +8705,7 @@
                     <a:p>
                       <a:pPr algn="ctr" fontAlgn="ctr"/>
                       <a:r>
-                        <a:rPr lang="it-IT" sz="1600" b="0" i="1" u="none" strike="noStrike" cap="none" dirty="0">
+                        <a:rPr lang="it-IT" sz="1600" b="0" i="1" u="none" strike="noStrike" cap="none" dirty="0" smtClean="0">
                           <a:solidFill>
                             <a:srgbClr val="F67031"/>
                           </a:solidFill>
@@ -10326,8 +8714,17 @@
                           <a:cs typeface="Georgia"/>
                           <a:sym typeface="Georgia"/>
                         </a:rPr>
-                        <a:t>Singleton</a:t>
+                        <a:t>Lambda</a:t>
                       </a:r>
+                      <a:endParaRPr lang="it-IT" sz="1600" b="0" i="1" u="none" strike="noStrike" cap="none" dirty="0">
+                        <a:solidFill>
+                          <a:srgbClr val="F67031"/>
+                        </a:solidFill>
+                        <a:latin typeface="Georgia"/>
+                        <a:ea typeface="Georgia"/>
+                        <a:cs typeface="Georgia"/>
+                        <a:sym typeface="Georgia"/>
+                      </a:endParaRPr>
                     </a:p>
                   </a:txBody>
                   <a:tcPr marL="9525" marR="9525" marT="9525" marB="0" anchor="ctr"/>
@@ -10339,7 +8736,7 @@
                     <a:p>
                       <a:pPr algn="l" fontAlgn="ctr"/>
                       <a:r>
-                        <a:rPr lang="en-US" sz="1200" b="0" i="0" u="none" strike="noStrike" cap="none" dirty="0">
+                        <a:rPr lang="en-US" sz="1200" b="0" i="0" u="none" strike="noStrike" cap="none" dirty="0" err="1" smtClean="0">
                           <a:solidFill>
                             <a:srgbClr val="666666"/>
                           </a:solidFill>
@@ -10348,8 +8745,53 @@
                           <a:cs typeface="Nunito Sans"/>
                           <a:sym typeface="Georgia"/>
                         </a:rPr>
-                        <a:t>Ensure a class has only one instance, and provide a global point of access to it.</a:t>
+                        <a:t>Serverless</a:t>
                       </a:r>
+                      <a:r>
+                        <a:rPr lang="en-US" sz="1200" b="0" i="0" u="none" strike="noStrike" cap="none" dirty="0" smtClean="0">
+                          <a:solidFill>
+                            <a:srgbClr val="666666"/>
+                          </a:solidFill>
+                          <a:latin typeface="Nunito Sans"/>
+                          <a:ea typeface="Nunito Sans"/>
+                          <a:cs typeface="Nunito Sans"/>
+                          <a:sym typeface="Georgia"/>
+                        </a:rPr>
+                        <a:t> </a:t>
+                      </a:r>
+                      <a:r>
+                        <a:rPr lang="en-US" sz="1200" b="0" i="0" u="none" strike="noStrike" cap="none" dirty="0" smtClean="0">
+                          <a:solidFill>
+                            <a:srgbClr val="666666"/>
+                          </a:solidFill>
+                          <a:latin typeface="Nunito Sans"/>
+                          <a:ea typeface="Nunito Sans"/>
+                          <a:cs typeface="Nunito Sans"/>
+                          <a:sym typeface="Georgia"/>
+                        </a:rPr>
+                        <a:t>function that allow to execute code without taking</a:t>
+                      </a:r>
+                      <a:r>
+                        <a:rPr lang="en-US" sz="1200" b="0" i="0" u="none" strike="noStrike" cap="none" baseline="0" dirty="0" smtClean="0">
+                          <a:solidFill>
+                            <a:srgbClr val="666666"/>
+                          </a:solidFill>
+                          <a:latin typeface="Nunito Sans"/>
+                          <a:ea typeface="Nunito Sans"/>
+                          <a:cs typeface="Nunito Sans"/>
+                          <a:sym typeface="Georgia"/>
+                        </a:rPr>
+                        <a:t> care of the HW</a:t>
+                      </a:r>
+                      <a:endParaRPr lang="en-US" sz="1200" b="0" i="0" u="none" strike="noStrike" cap="none" dirty="0">
+                        <a:solidFill>
+                          <a:srgbClr val="666666"/>
+                        </a:solidFill>
+                        <a:latin typeface="Nunito Sans"/>
+                        <a:ea typeface="Nunito Sans"/>
+                        <a:cs typeface="Nunito Sans"/>
+                        <a:sym typeface="Georgia"/>
+                      </a:endParaRPr>
                     </a:p>
                   </a:txBody>
                   <a:tcPr marL="72000" marR="72000" marT="9525" marB="0" anchor="ctr"/>
@@ -10503,7 +8945,7 @@
                 <a:cs typeface="Nunito Sans"/>
                 <a:sym typeface="Nunito Sans"/>
               </a:rPr>
-              <a:t>Structural patterns</a:t>
+              <a:t>Storage</a:t>
             </a:r>
             <a:r>
               <a:rPr lang="en-US" sz="2000" i="1" dirty="0">
@@ -10515,7 +8957,7 @@
                 <a:cs typeface="Nunito Sans"/>
                 <a:sym typeface="Nunito Sans"/>
               </a:rPr>
-              <a:t>: </a:t>
+              <a:t>: holding the information used </a:t>
             </a:r>
             <a:r>
               <a:rPr lang="en-US" sz="2000" i="1" dirty="0" smtClean="0">
@@ -10527,31 +8969,7 @@
                 <a:cs typeface="Nunito Sans"/>
                 <a:sym typeface="Nunito Sans"/>
               </a:rPr>
-              <a:t>identifying </a:t>
-            </a:r>
-            <a:r>
-              <a:rPr lang="en-US" sz="2000" i="1" dirty="0">
-                <a:solidFill>
-                  <a:srgbClr val="FFFFFF"/>
-                </a:solidFill>
-                <a:latin typeface="Nunito Sans"/>
-                <a:ea typeface="Nunito Sans"/>
-                <a:cs typeface="Nunito Sans"/>
-                <a:sym typeface="Nunito Sans"/>
-              </a:rPr>
-              <a:t>a simple way to realize relationships between </a:t>
-            </a:r>
-            <a:r>
-              <a:rPr lang="en-US" sz="2000" i="1" dirty="0" smtClean="0">
-                <a:solidFill>
-                  <a:srgbClr val="FFFFFF"/>
-                </a:solidFill>
-                <a:latin typeface="Nunito Sans"/>
-                <a:ea typeface="Nunito Sans"/>
-                <a:cs typeface="Nunito Sans"/>
-                <a:sym typeface="Nunito Sans"/>
-              </a:rPr>
-              <a:t>entities</a:t>
+              <a:t>both by application both by archival</a:t>
             </a:r>
             <a:endParaRPr lang="en" sz="2000" i="1" dirty="0">
               <a:solidFill>
@@ -10574,14 +8992,14 @@
           <p:nvPr>
             <p:extLst>
               <p:ext uri="{D42A27DB-BD31-4B8C-83A1-F6EECF244321}">
-                <p14:modId xmlns:p14="http://schemas.microsoft.com/office/powerpoint/2010/main" val="1085979509"/>
+                <p14:modId xmlns:p14="http://schemas.microsoft.com/office/powerpoint/2010/main" val="3565241599"/>
               </p:ext>
             </p:extLst>
           </p:nvPr>
         </p:nvGraphicFramePr>
         <p:xfrm>
           <a:off x="1089824" y="1828149"/>
-          <a:ext cx="6949002" cy="2049780"/>
+          <a:ext cx="6949002" cy="1487805"/>
         </p:xfrm>
         <a:graphic>
           <a:graphicData uri="http://schemas.openxmlformats.org/drawingml/2006/table">
@@ -10610,7 +9028,7 @@
                           <a:cs typeface="Georgia"/>
                           <a:sym typeface="Georgia"/>
                         </a:rPr>
-                        <a:t>Wrapper</a:t>
+                        <a:t>S3</a:t>
                       </a:r>
                       <a:endParaRPr lang="en-US" sz="1600" b="0" i="1" u="none" strike="noStrike" cap="none" dirty="0">
                         <a:solidFill>
@@ -10630,9 +9048,35 @@
                     <a:bodyPr/>
                     <a:lstStyle/>
                     <a:p>
-                      <a:pPr algn="l" fontAlgn="ctr"/>
+                      <a:pPr>
+                        <a:spcBef>
+                          <a:spcPts val="1200"/>
+                        </a:spcBef>
+                        <a:spcAft>
+                          <a:spcPts val="960"/>
+                        </a:spcAft>
+                      </a:pPr>
                       <a:r>
-                        <a:rPr lang="en-US" sz="1200" b="0" i="0" u="none" strike="noStrike" cap="none" dirty="0">
+                        <a:rPr lang="en-US" sz="1050" dirty="0" smtClean="0">
+                          <a:solidFill>
+                            <a:srgbClr val="333333"/>
+                          </a:solidFill>
+                          <a:effectLst/>
+                          <a:latin typeface="Helvetica" panose="020B0604020202020204" pitchFamily="34" charset="0"/>
+                        </a:rPr>
+                        <a:t/>
+                      </a:r>
+                      <a:br>
+                        <a:rPr lang="en-US" sz="1050" dirty="0" smtClean="0">
+                          <a:solidFill>
+                            <a:srgbClr val="333333"/>
+                          </a:solidFill>
+                          <a:effectLst/>
+                          <a:latin typeface="Helvetica" panose="020B0604020202020204" pitchFamily="34" charset="0"/>
+                        </a:rPr>
+                      </a:br>
+                      <a:r>
+                        <a:rPr lang="en-US" sz="1200" b="0" i="0" u="none" strike="noStrike" cap="none" dirty="0" smtClean="0">
                           <a:solidFill>
                             <a:srgbClr val="666666"/>
                           </a:solidFill>
@@ -10641,11 +9085,20 @@
                           <a:cs typeface="Nunito Sans"/>
                           <a:sym typeface="Arial"/>
                         </a:rPr>
-                        <a:t>Convert the interface of a class into another interface clients expect. An adapter lets classes work together that could not otherwise because of incompatible interfaces. The enterprise integration pattern equivalent is the translator.</a:t>
+                        <a:t>Object storage</a:t>
                       </a:r>
+                      <a:endParaRPr lang="en-US" sz="1200" b="0" i="0" u="none" strike="noStrike" cap="none" dirty="0">
+                        <a:solidFill>
+                          <a:srgbClr val="666666"/>
+                        </a:solidFill>
+                        <a:latin typeface="Nunito Sans"/>
+                        <a:ea typeface="Nunito Sans"/>
+                        <a:cs typeface="Nunito Sans"/>
+                        <a:sym typeface="Arial"/>
+                      </a:endParaRPr>
                     </a:p>
                   </a:txBody>
-                  <a:tcPr marL="72000" marR="72000" marT="9525" marB="0" anchor="ctr"/>
+                  <a:tcPr marL="68580" marR="68580" marT="0" marB="0"/>
                 </a:tc>
               </a:tr>
               <a:tr h="370840">
@@ -10656,7 +9109,7 @@
                     <a:p>
                       <a:pPr algn="ctr" fontAlgn="ctr"/>
                       <a:r>
-                        <a:rPr lang="en-US" sz="1600" b="0" i="1" u="none" strike="noStrike" cap="none" dirty="0" smtClean="0">
+                        <a:rPr lang="en-US" sz="1600" b="0" i="1" u="none" strike="noStrike" cap="none" smtClean="0">
                           <a:solidFill>
                             <a:srgbClr val="F67031"/>
                           </a:solidFill>
@@ -10665,7 +9118,7 @@
                           <a:cs typeface="Georgia"/>
                           <a:sym typeface="Georgia"/>
                         </a:rPr>
-                        <a:t>Bridge</a:t>
+                        <a:t>Glacier</a:t>
                       </a:r>
                       <a:endParaRPr lang="en-US" sz="1600" b="0" i="1" u="none" strike="noStrike" cap="none" dirty="0">
                         <a:solidFill>
@@ -10720,7 +9173,7 @@
                           <a:cs typeface="Georgia"/>
                           <a:sym typeface="Georgia"/>
                         </a:rPr>
-                        <a:t>Decorator</a:t>
+                        <a:t>EFS</a:t>
                       </a:r>
                       <a:endParaRPr lang="en-US" sz="1600" b="0" i="1" u="none" strike="noStrike" cap="none" dirty="0">
                         <a:solidFill>
@@ -10742,18 +9195,6 @@
                     <a:p>
                       <a:pPr algn="l" fontAlgn="ctr"/>
                       <a:r>
-                        <a:rPr lang="en-US" sz="1200" b="0" i="0" u="none" strike="noStrike" cap="none" dirty="0">
-                          <a:solidFill>
-                            <a:srgbClr val="666666"/>
-                          </a:solidFill>
-                          <a:latin typeface="Nunito Sans"/>
-                          <a:ea typeface="Nunito Sans"/>
-                          <a:cs typeface="Nunito Sans"/>
-                          <a:sym typeface="Arial"/>
-                        </a:rPr>
-                        <a:t>Attach additional responsibilities to an object dynamically keeping the same interface. Decorators provide a flexible alternative to </a:t>
-                      </a:r>
-                      <a:r>
                         <a:rPr lang="en-US" sz="1200" b="0" i="0" u="none" strike="noStrike" cap="none" dirty="0" smtClean="0">
                           <a:solidFill>
                             <a:srgbClr val="666666"/>
@@ -10763,20 +9204,17 @@
                           <a:cs typeface="Nunito Sans"/>
                           <a:sym typeface="Arial"/>
                         </a:rPr>
-                        <a:t>sub-classing </a:t>
+                        <a:t>Network file system (NFSv4.1)</a:t>
                       </a:r>
-                      <a:r>
-                        <a:rPr lang="en-US" sz="1200" b="0" i="0" u="none" strike="noStrike" cap="none" dirty="0">
-                          <a:solidFill>
-                            <a:srgbClr val="666666"/>
-                          </a:solidFill>
-                          <a:latin typeface="Nunito Sans"/>
-                          <a:ea typeface="Nunito Sans"/>
-                          <a:cs typeface="Nunito Sans"/>
-                          <a:sym typeface="Arial"/>
-                        </a:rPr>
-                        <a:t>for extending functionality.</a:t>
-                      </a:r>
+                      <a:endParaRPr lang="en-US" sz="1200" b="0" i="0" u="none" strike="noStrike" cap="none" dirty="0">
+                        <a:solidFill>
+                          <a:srgbClr val="666666"/>
+                        </a:solidFill>
+                        <a:latin typeface="Nunito Sans"/>
+                        <a:ea typeface="Nunito Sans"/>
+                        <a:cs typeface="Nunito Sans"/>
+                        <a:sym typeface="Arial"/>
+                      </a:endParaRPr>
                     </a:p>
                   </a:txBody>
                   <a:tcPr marL="72000" marR="72000" marT="9525" marB="0" anchor="ctr"/>
@@ -10799,7 +9237,7 @@
                           <a:cs typeface="Georgia"/>
                           <a:sym typeface="Georgia"/>
                         </a:rPr>
-                        <a:t>Proxy</a:t>
+                        <a:t>Storage Gateway</a:t>
                       </a:r>
                       <a:endParaRPr lang="en-US" sz="1600" b="0" i="1" u="none" strike="noStrike" cap="none" dirty="0">
                         <a:solidFill>
@@ -10821,7 +9259,7 @@
                     <a:p>
                       <a:pPr algn="l" fontAlgn="ctr"/>
                       <a:r>
-                        <a:rPr lang="en-US" sz="1200" b="0" i="0" u="none" strike="noStrike" cap="none" dirty="0">
+                        <a:rPr lang="en-US" sz="1200" b="0" i="0" u="none" strike="noStrike" cap="none" dirty="0" smtClean="0">
                           <a:solidFill>
                             <a:srgbClr val="666666"/>
                           </a:solidFill>
@@ -10830,8 +9268,17 @@
                           <a:cs typeface="Nunito Sans"/>
                           <a:sym typeface="Arial"/>
                         </a:rPr>
-                        <a:t>Provide a surrogate or placeholder for another object to control access to it.</a:t>
+                        <a:t>Gateway to connect company data center to AWS cloud</a:t>
                       </a:r>
+                      <a:endParaRPr lang="en-US" sz="1200" b="0" i="0" u="none" strike="noStrike" cap="none" dirty="0">
+                        <a:solidFill>
+                          <a:srgbClr val="666666"/>
+                        </a:solidFill>
+                        <a:latin typeface="Nunito Sans"/>
+                        <a:ea typeface="Nunito Sans"/>
+                        <a:cs typeface="Nunito Sans"/>
+                        <a:sym typeface="Arial"/>
+                      </a:endParaRPr>
                     </a:p>
                   </a:txBody>
                   <a:tcPr marL="72000" marR="72000" marT="9525" marB="0" anchor="ctr"/>
@@ -10976,18 +9423,6 @@
               <a:buSzPts val="2400"/>
             </a:pPr>
             <a:r>
-              <a:rPr lang="en-US" sz="2000" i="1" dirty="0">
-                <a:solidFill>
-                  <a:srgbClr val="FFFFFF"/>
-                </a:solidFill>
-                <a:latin typeface="Nunito Sans"/>
-                <a:ea typeface="Nunito Sans"/>
-                <a:cs typeface="Nunito Sans"/>
-                <a:sym typeface="Nunito Sans"/>
-              </a:rPr>
-              <a:t>Behavioral </a:t>
-            </a:r>
-            <a:r>
               <a:rPr lang="en-US" sz="2000" i="1" dirty="0" smtClean="0">
                 <a:solidFill>
                   <a:srgbClr val="FFFFFF"/>
@@ -10997,7 +9432,7 @@
                 <a:cs typeface="Nunito Sans"/>
                 <a:sym typeface="Nunito Sans"/>
               </a:rPr>
-              <a:t>patterns</a:t>
+              <a:t>Databases</a:t>
             </a:r>
             <a:r>
               <a:rPr lang="en-US" sz="2000" i="1" dirty="0">
@@ -11021,7 +9456,7 @@
                 <a:cs typeface="Nunito Sans"/>
                 <a:sym typeface="Nunito Sans"/>
               </a:rPr>
-              <a:t>identifying </a:t>
+              <a:t>broad </a:t>
             </a:r>
             <a:r>
               <a:rPr lang="en-US" sz="2000" i="1" dirty="0">
@@ -11033,7 +9468,7 @@
                 <a:cs typeface="Nunito Sans"/>
                 <a:sym typeface="Nunito Sans"/>
               </a:rPr>
-              <a:t>common communication patterns between </a:t>
+              <a:t>range of fully managed services</a:t>
             </a:r>
             <a:r>
               <a:rPr lang="en-US" sz="2000" i="1" dirty="0" smtClean="0">
@@ -11045,7 +9480,19 @@
                 <a:cs typeface="Nunito Sans"/>
                 <a:sym typeface="Nunito Sans"/>
               </a:rPr>
-              <a:t>objects</a:t>
+              <a:t> </a:t>
+            </a:r>
+            <a:r>
+              <a:rPr lang="en-US" sz="2000" i="1" dirty="0">
+                <a:solidFill>
+                  <a:srgbClr val="FFFFFF"/>
+                </a:solidFill>
+                <a:latin typeface="Nunito Sans"/>
+                <a:ea typeface="Nunito Sans"/>
+                <a:cs typeface="Nunito Sans"/>
+                <a:sym typeface="Nunito Sans"/>
+              </a:rPr>
+              <a:t>purpose-built for your specific application use cases</a:t>
             </a:r>
             <a:endParaRPr lang="en" sz="2000" i="1" dirty="0">
               <a:solidFill>
@@ -11068,14 +9515,14 @@
           <p:nvPr>
             <p:extLst>
               <p:ext uri="{D42A27DB-BD31-4B8C-83A1-F6EECF244321}">
-                <p14:modId xmlns:p14="http://schemas.microsoft.com/office/powerpoint/2010/main" val="1551074366"/>
+                <p14:modId xmlns:p14="http://schemas.microsoft.com/office/powerpoint/2010/main" val="3184991849"/>
               </p:ext>
             </p:extLst>
           </p:nvPr>
         </p:nvGraphicFramePr>
         <p:xfrm>
-          <a:off x="1089824" y="1537204"/>
-          <a:ext cx="6949002" cy="3156585"/>
+          <a:off x="1092017" y="1537204"/>
+          <a:ext cx="6946809" cy="1483360"/>
         </p:xfrm>
         <a:graphic>
           <a:graphicData uri="http://schemas.openxmlformats.org/drawingml/2006/table">
@@ -11084,7 +9531,7 @@
                 <a:tableStyleId>{FA2F608D-247E-48B9-AEF1-B047CABF1DD8}</a:tableStyleId>
               </a:tblPr>
               <a:tblGrid>
-                <a:gridCol w="2594090"/>
+                <a:gridCol w="2591897"/>
                 <a:gridCol w="4354912"/>
               </a:tblGrid>
               <a:tr h="370840">
@@ -11095,7 +9542,7 @@
                     <a:p>
                       <a:pPr algn="ctr" fontAlgn="b"/>
                       <a:r>
-                        <a:rPr lang="it-IT" sz="1600" b="0" i="1" u="none" strike="noStrike" cap="none" dirty="0">
+                        <a:rPr lang="it-IT" sz="1600" b="0" i="1" u="none" strike="noStrike" cap="none" dirty="0" smtClean="0">
                           <a:solidFill>
                             <a:srgbClr val="F67031"/>
                           </a:solidFill>
@@ -11104,8 +9551,80 @@
                           <a:cs typeface="Georgia"/>
                           <a:sym typeface="Arial"/>
                         </a:rPr>
-                        <a:t>Chain of responsibility</a:t>
+                        <a:t>RDS</a:t>
                       </a:r>
+                      <a:endParaRPr lang="it-IT" sz="1600" b="0" i="1" u="none" strike="noStrike" cap="none" dirty="0">
+                        <a:solidFill>
+                          <a:srgbClr val="F67031"/>
+                        </a:solidFill>
+                        <a:latin typeface="Georgia"/>
+                        <a:ea typeface="Georgia"/>
+                        <a:cs typeface="Georgia"/>
+                        <a:sym typeface="Arial"/>
+                      </a:endParaRPr>
+                    </a:p>
+                  </a:txBody>
+                  <a:tcPr marL="9525" marR="9525" marT="9525" marB="0" anchor="ctr"/>
+                </a:tc>
+                <a:tc>
+                  <a:txBody>
+                    <a:bodyPr/>
+                    <a:lstStyle/>
+                    <a:p>
+                      <a:r>
+                        <a:rPr lang="en-US" sz="1200" b="0" i="0" u="none" strike="noStrike" cap="none" dirty="0" smtClean="0">
+                          <a:solidFill>
+                            <a:srgbClr val="666666"/>
+                          </a:solidFill>
+                          <a:latin typeface="Nunito Sans"/>
+                          <a:ea typeface="Nunito Sans"/>
+                          <a:cs typeface="Nunito Sans"/>
+                          <a:sym typeface="Arial"/>
+                        </a:rPr>
+                        <a:t>Relational database (OLTP, online transaction processing)</a:t>
+                      </a:r>
+                      <a:endParaRPr lang="en-US" sz="1200" b="0" i="0" u="none" strike="noStrike" cap="none" dirty="0">
+                        <a:solidFill>
+                          <a:srgbClr val="666666"/>
+                        </a:solidFill>
+                        <a:latin typeface="Nunito Sans"/>
+                        <a:ea typeface="Nunito Sans"/>
+                        <a:cs typeface="Nunito Sans"/>
+                        <a:sym typeface="Arial"/>
+                      </a:endParaRPr>
+                    </a:p>
+                  </a:txBody>
+                  <a:tcPr marL="72000" marR="72000" marT="9525" marB="0" anchor="ctr"/>
+                </a:tc>
+              </a:tr>
+              <a:tr h="370840">
+                <a:tc>
+                  <a:txBody>
+                    <a:bodyPr/>
+                    <a:lstStyle/>
+                    <a:p>
+                      <a:pPr algn="ctr" fontAlgn="b"/>
+                      <a:r>
+                        <a:rPr lang="it-IT" sz="1600" b="0" i="1" u="none" strike="noStrike" cap="none" dirty="0" smtClean="0">
+                          <a:solidFill>
+                            <a:srgbClr val="F67031"/>
+                          </a:solidFill>
+                          <a:latin typeface="Georgia"/>
+                          <a:ea typeface="Georgia"/>
+                          <a:cs typeface="Georgia"/>
+                          <a:sym typeface="Arial"/>
+                        </a:rPr>
+                        <a:t>DynamoDb</a:t>
+                      </a:r>
+                      <a:endParaRPr lang="it-IT" sz="1600" b="0" i="1" u="none" strike="noStrike" cap="none" dirty="0">
+                        <a:solidFill>
+                          <a:srgbClr val="F67031"/>
+                        </a:solidFill>
+                        <a:latin typeface="Georgia"/>
+                        <a:ea typeface="Georgia"/>
+                        <a:cs typeface="Georgia"/>
+                        <a:sym typeface="Arial"/>
+                      </a:endParaRPr>
                     </a:p>
                   </a:txBody>
                   <a:tcPr marL="9525" marR="9525" marT="9525" marB="0" anchor="ctr"/>
@@ -11117,7 +9636,7 @@
                     <a:p>
                       <a:pPr algn="l" fontAlgn="ctr"/>
                       <a:r>
-                        <a:rPr lang="en-US" sz="1200" b="0" i="0" u="none" strike="noStrike" cap="none" dirty="0">
+                        <a:rPr lang="en-US" sz="1200" b="0" i="0" u="none" strike="noStrike" cap="none" dirty="0" smtClean="0">
                           <a:solidFill>
                             <a:srgbClr val="666666"/>
                           </a:solidFill>
@@ -11126,7 +9645,7 @@
                           <a:cs typeface="Nunito Sans"/>
                           <a:sym typeface="Arial"/>
                         </a:rPr>
-                        <a:t>Avoid coupling the sender of a request to its receiver by giving more than one object a chance to handle the request. Chain the receiving objects and pass the request along the chain until an object handles it.</a:t>
+                        <a:t>No-SQL database</a:t>
                       </a:r>
                     </a:p>
                   </a:txBody>
@@ -11141,7 +9660,7 @@
                     <a:p>
                       <a:pPr algn="ctr" fontAlgn="b"/>
                       <a:r>
-                        <a:rPr lang="it-IT" sz="1600" b="0" i="1" u="none" strike="noStrike" cap="none" dirty="0">
+                        <a:rPr lang="it-IT" sz="1600" b="0" i="1" u="none" strike="noStrike" cap="none" dirty="0" smtClean="0">
                           <a:solidFill>
                             <a:srgbClr val="F67031"/>
                           </a:solidFill>
@@ -11150,8 +9669,17 @@
                           <a:cs typeface="Georgia"/>
                           <a:sym typeface="Arial"/>
                         </a:rPr>
-                        <a:t>Command</a:t>
+                        <a:t>Redshift</a:t>
                       </a:r>
+                      <a:endParaRPr lang="it-IT" sz="1600" b="0" i="1" u="none" strike="noStrike" cap="none" dirty="0">
+                        <a:solidFill>
+                          <a:srgbClr val="F67031"/>
+                        </a:solidFill>
+                        <a:latin typeface="Georgia"/>
+                        <a:ea typeface="Georgia"/>
+                        <a:cs typeface="Georgia"/>
+                        <a:sym typeface="Arial"/>
+                      </a:endParaRPr>
                     </a:p>
                   </a:txBody>
                   <a:tcPr marL="9525" marR="9525" marT="9525" marB="0" anchor="ctr"/>
@@ -11163,7 +9691,7 @@
                     <a:p>
                       <a:pPr algn="l" fontAlgn="ctr"/>
                       <a:r>
-                        <a:rPr lang="en-US" sz="1200" b="0" i="0" u="none" strike="noStrike" cap="none" dirty="0">
+                        <a:rPr lang="en-US" sz="1200" b="0" i="0" u="none" strike="noStrike" cap="none" dirty="0" smtClean="0">
                           <a:solidFill>
                             <a:srgbClr val="666666"/>
                           </a:solidFill>
@@ -11172,7 +9700,7 @@
                           <a:cs typeface="Nunito Sans"/>
                           <a:sym typeface="Arial"/>
                         </a:rPr>
-                        <a:t>Encapsulate a request as an object, thereby allowing for the parameterization of clients with different requests, and the queuing or logging of requests. It also allows for the support of undoable operations.</a:t>
+                        <a:t>Data warehouse (OLAP, online analytic processing)</a:t>
                       </a:r>
                     </a:p>
                   </a:txBody>
@@ -11187,7 +9715,7 @@
                     <a:p>
                       <a:pPr algn="ctr" fontAlgn="b"/>
                       <a:r>
-                        <a:rPr lang="it-IT" sz="1600" b="0" i="1" u="none" strike="noStrike" cap="none" dirty="0">
+                        <a:rPr lang="it-IT" sz="1600" b="0" i="1" u="none" strike="noStrike" cap="none" dirty="0" smtClean="0">
                           <a:solidFill>
                             <a:srgbClr val="F67031"/>
                           </a:solidFill>
@@ -11196,54 +9724,17 @@
                           <a:cs typeface="Georgia"/>
                           <a:sym typeface="Arial"/>
                         </a:rPr>
-                        <a:t>Interpreter</a:t>
+                        <a:t>Elasticache</a:t>
                       </a:r>
-                    </a:p>
-                  </a:txBody>
-                  <a:tcPr marL="9525" marR="9525" marT="9525" marB="0" anchor="ctr"/>
-                </a:tc>
-                <a:tc>
-                  <a:txBody>
-                    <a:bodyPr/>
-                    <a:lstStyle/>
-                    <a:p>
-                      <a:pPr algn="l" fontAlgn="ctr"/>
-                      <a:r>
-                        <a:rPr lang="en-US" sz="1200" b="0" i="0" u="none" strike="noStrike" cap="none" dirty="0">
-                          <a:solidFill>
-                            <a:srgbClr val="666666"/>
-                          </a:solidFill>
-                          <a:latin typeface="Nunito Sans"/>
-                          <a:ea typeface="Nunito Sans"/>
-                          <a:cs typeface="Nunito Sans"/>
-                          <a:sym typeface="Arial"/>
-                        </a:rPr>
-                        <a:t>Given a language, define a representation for its grammar along with an interpreter that uses the representation to interpret sentences in the language.</a:t>
-                      </a:r>
-                    </a:p>
-                  </a:txBody>
-                  <a:tcPr marL="72000" marR="72000" marT="9525" marB="0" anchor="ctr"/>
-                </a:tc>
-              </a:tr>
-              <a:tr h="370840">
-                <a:tc>
-                  <a:txBody>
-                    <a:bodyPr/>
-                    <a:lstStyle/>
-                    <a:p>
-                      <a:pPr algn="ctr" fontAlgn="b"/>
-                      <a:r>
-                        <a:rPr lang="it-IT" sz="1600" b="0" i="1" u="none" strike="noStrike" cap="none" dirty="0">
-                          <a:solidFill>
-                            <a:srgbClr val="F67031"/>
-                          </a:solidFill>
-                          <a:latin typeface="Georgia"/>
-                          <a:ea typeface="Georgia"/>
-                          <a:cs typeface="Georgia"/>
-                          <a:sym typeface="Arial"/>
-                        </a:rPr>
-                        <a:t>Iterator</a:t>
-                      </a:r>
+                      <a:endParaRPr lang="it-IT" sz="1600" b="0" i="1" u="none" strike="noStrike" cap="none" dirty="0">
+                        <a:solidFill>
+                          <a:srgbClr val="F67031"/>
+                        </a:solidFill>
+                        <a:latin typeface="Georgia"/>
+                        <a:ea typeface="Georgia"/>
+                        <a:cs typeface="Georgia"/>
+                        <a:sym typeface="Arial"/>
+                      </a:endParaRPr>
                     </a:p>
                   </a:txBody>
                   <a:tcPr marL="9525" marR="9525" marT="9525" marB="0" anchor="ctr"/>
@@ -11255,7 +9746,7 @@
                     <a:p>
                       <a:pPr algn="l" fontAlgn="b"/>
                       <a:r>
-                        <a:rPr lang="en-US" sz="1200" b="0" i="0" u="none" strike="noStrike" cap="none" dirty="0">
+                        <a:rPr lang="en-US" sz="1200" b="0" i="0" u="none" strike="noStrike" cap="none" dirty="0" smtClean="0">
                           <a:solidFill>
                             <a:srgbClr val="666666"/>
                           </a:solidFill>
@@ -11264,57 +9755,11 @@
                           <a:cs typeface="Nunito Sans"/>
                           <a:sym typeface="Arial"/>
                         </a:rPr>
-                        <a:t>Provide a way to access the elements of an aggregate object sequentially without exposing its underlying representation.</a:t>
+                        <a:t>Cache query results </a:t>
                       </a:r>
                     </a:p>
                   </a:txBody>
-                  <a:tcPr marL="72000" marR="72000" marT="9525" marB="0" anchor="b"/>
-                </a:tc>
-              </a:tr>
-              <a:tr h="370840">
-                <a:tc>
-                  <a:txBody>
-                    <a:bodyPr/>
-                    <a:lstStyle/>
-                    <a:p>
-                      <a:pPr algn="ctr" fontAlgn="b"/>
-                      <a:r>
-                        <a:rPr lang="it-IT" sz="1600" b="0" i="1" u="none" strike="noStrike" cap="none" dirty="0">
-                          <a:solidFill>
-                            <a:srgbClr val="F67031"/>
-                          </a:solidFill>
-                          <a:latin typeface="Georgia"/>
-                          <a:ea typeface="Georgia"/>
-                          <a:cs typeface="Georgia"/>
-                          <a:sym typeface="Arial"/>
-                        </a:rPr>
-                        <a:t>Mediator</a:t>
-                      </a:r>
-                    </a:p>
-                  </a:txBody>
-                  <a:tcPr marL="9525" marR="9525" marT="9525" marB="0" anchor="ctr"/>
-                </a:tc>
-                <a:tc>
-                  <a:txBody>
-                    <a:bodyPr/>
-                    <a:lstStyle/>
-                    <a:p>
-                      <a:pPr algn="l" fontAlgn="b"/>
-                      <a:r>
-                        <a:rPr lang="en-US" sz="1200" b="0" i="0" u="none" strike="noStrike" cap="none" dirty="0">
-                          <a:solidFill>
-                            <a:srgbClr val="666666"/>
-                          </a:solidFill>
-                          <a:latin typeface="Nunito Sans"/>
-                          <a:ea typeface="Nunito Sans"/>
-                          <a:cs typeface="Nunito Sans"/>
-                          <a:sym typeface="Arial"/>
-                        </a:rPr>
-                        <a:t>Define an object that encapsulates how a set of objects interact. Mediator promotes loose coupling by keeping objects from referring to each other explicitly, and it allows their interaction to vary independently.</a:t>
-                      </a:r>
-                    </a:p>
-                  </a:txBody>
-                  <a:tcPr marL="72000" marR="72000" marT="9525" marB="0" anchor="b"/>
+                  <a:tcPr marL="72000" marR="72000" marT="9525" marB="0" anchor="ctr"/>
                 </a:tc>
               </a:tr>
             </a:tbl>
@@ -11456,18 +9901,6 @@
               <a:buSzPts val="2400"/>
             </a:pPr>
             <a:r>
-              <a:rPr lang="en-US" sz="2000" i="1" dirty="0">
-                <a:solidFill>
-                  <a:srgbClr val="FFFFFF"/>
-                </a:solidFill>
-                <a:latin typeface="Nunito Sans"/>
-                <a:ea typeface="Nunito Sans"/>
-                <a:cs typeface="Nunito Sans"/>
-                <a:sym typeface="Nunito Sans"/>
-              </a:rPr>
-              <a:t>Concurrency </a:t>
-            </a:r>
-            <a:r>
               <a:rPr lang="en-US" sz="2000" i="1" dirty="0" smtClean="0">
                 <a:solidFill>
                   <a:srgbClr val="FFFFFF"/>
@@ -11477,7 +9910,7 @@
                 <a:cs typeface="Nunito Sans"/>
                 <a:sym typeface="Nunito Sans"/>
               </a:rPr>
-              <a:t>patterns</a:t>
+              <a:t>Messaging</a:t>
             </a:r>
             <a:r>
               <a:rPr lang="en-US" sz="2000" i="1" dirty="0">
@@ -11501,7 +9934,7 @@
                 <a:cs typeface="Nunito Sans"/>
                 <a:sym typeface="Nunito Sans"/>
               </a:rPr>
-              <a:t>dealing </a:t>
+              <a:t>implement </a:t>
             </a:r>
             <a:r>
               <a:rPr lang="en-US" sz="2000" i="1" dirty="0">
@@ -11513,7 +9946,67 @@
                 <a:cs typeface="Nunito Sans"/>
                 <a:sym typeface="Nunito Sans"/>
               </a:rPr>
-              <a:t>with the multi-threaded programming paradigm</a:t>
+              <a:t>event </a:t>
+            </a:r>
+            <a:r>
+              <a:rPr lang="en-US" sz="2000" i="1" dirty="0" smtClean="0">
+                <a:solidFill>
+                  <a:srgbClr val="FFFFFF"/>
+                </a:solidFill>
+                <a:latin typeface="Nunito Sans"/>
+                <a:ea typeface="Nunito Sans"/>
+                <a:cs typeface="Nunito Sans"/>
+                <a:sym typeface="Nunito Sans"/>
+              </a:rPr>
+              <a:t>sourcing</a:t>
+            </a:r>
+            <a:r>
+              <a:rPr lang="en-US" sz="2000" i="1" dirty="0">
+                <a:solidFill>
+                  <a:srgbClr val="FFFFFF"/>
+                </a:solidFill>
+                <a:latin typeface="Nunito Sans"/>
+                <a:ea typeface="Nunito Sans"/>
+                <a:cs typeface="Nunito Sans"/>
+                <a:sym typeface="Nunito Sans"/>
+              </a:rPr>
+              <a:t> </a:t>
+            </a:r>
+            <a:r>
+              <a:rPr lang="en-US" sz="2000" i="1" dirty="0" smtClean="0">
+                <a:solidFill>
+                  <a:srgbClr val="FFFFFF"/>
+                </a:solidFill>
+                <a:latin typeface="Nunito Sans"/>
+                <a:ea typeface="Nunito Sans"/>
+                <a:cs typeface="Nunito Sans"/>
+                <a:sym typeface="Nunito Sans"/>
+              </a:rPr>
+              <a:t>to create </a:t>
+            </a:r>
+            <a:r>
+              <a:rPr lang="en-US" sz="2000" i="1" dirty="0">
+                <a:solidFill>
+                  <a:srgbClr val="FFFFFF"/>
+                </a:solidFill>
+                <a:latin typeface="Nunito Sans"/>
+                <a:ea typeface="Nunito Sans"/>
+                <a:cs typeface="Nunito Sans"/>
+                <a:sym typeface="Nunito Sans"/>
+              </a:rPr>
+              <a:t>scalable, distributed </a:t>
+            </a:r>
+            <a:r>
+              <a:rPr lang="en-US" sz="2000" i="1" dirty="0" smtClean="0">
+                <a:solidFill>
+                  <a:srgbClr val="FFFFFF"/>
+                </a:solidFill>
+                <a:latin typeface="Nunito Sans"/>
+                <a:ea typeface="Nunito Sans"/>
+                <a:cs typeface="Nunito Sans"/>
+                <a:sym typeface="Nunito Sans"/>
+              </a:rPr>
+              <a:t>systems</a:t>
             </a:r>
             <a:endParaRPr lang="en" sz="2000" i="1" dirty="0">
               <a:solidFill>
@@ -11536,14 +10029,14 @@
           <p:nvPr>
             <p:extLst>
               <p:ext uri="{D42A27DB-BD31-4B8C-83A1-F6EECF244321}">
-                <p14:modId xmlns:p14="http://schemas.microsoft.com/office/powerpoint/2010/main" val="2496956163"/>
+                <p14:modId xmlns:p14="http://schemas.microsoft.com/office/powerpoint/2010/main" val="1286761260"/>
               </p:ext>
             </p:extLst>
           </p:nvPr>
         </p:nvGraphicFramePr>
         <p:xfrm>
           <a:off x="1096751" y="1523349"/>
-          <a:ext cx="6949002" cy="3161665"/>
+          <a:ext cx="6949002" cy="1136780"/>
         </p:xfrm>
         <a:graphic>
           <a:graphicData uri="http://schemas.openxmlformats.org/drawingml/2006/table">
@@ -11574,7 +10067,7 @@
                         <a:buNone/>
                       </a:pPr>
                       <a:r>
-                        <a:rPr lang="it-IT" sz="1600" b="0" i="1" u="none" strike="noStrike" cap="none" dirty="0">
+                        <a:rPr lang="it-IT" sz="1600" b="0" i="1" u="none" strike="noStrike" cap="none" dirty="0" smtClean="0">
                           <a:solidFill>
                             <a:srgbClr val="F67031"/>
                           </a:solidFill>
@@ -11583,8 +10076,17 @@
                           <a:cs typeface="Georgia"/>
                           <a:sym typeface="Arial"/>
                         </a:rPr>
-                        <a:t>Active Object</a:t>
+                        <a:t>SNS</a:t>
                       </a:r>
+                      <a:endParaRPr lang="it-IT" sz="1600" b="0" i="1" u="none" strike="noStrike" cap="none" dirty="0">
+                        <a:solidFill>
+                          <a:srgbClr val="F67031"/>
+                        </a:solidFill>
+                        <a:latin typeface="Georgia"/>
+                        <a:ea typeface="Georgia"/>
+                        <a:cs typeface="Georgia"/>
+                        <a:sym typeface="Arial"/>
+                      </a:endParaRPr>
                     </a:p>
                   </a:txBody>
                   <a:tcPr marL="9525" marR="9525" marT="9525" marB="0" anchor="ctr"/>
@@ -11594,7 +10096,45 @@
                     <a:bodyPr/>
                     <a:lstStyle/>
                     <a:p>
-                      <a:pPr algn="l" fontAlgn="ctr"/>
+                      <a:pPr>
+                        <a:spcBef>
+                          <a:spcPts val="1200"/>
+                        </a:spcBef>
+                        <a:spcAft>
+                          <a:spcPts val="960"/>
+                        </a:spcAft>
+                      </a:pPr>
+                      <a:r>
+                        <a:rPr lang="en-US" sz="1050" dirty="0">
+                          <a:solidFill>
+                            <a:srgbClr val="333333"/>
+                          </a:solidFill>
+                          <a:effectLst/>
+                          <a:latin typeface="Helvetica" panose="020B0604020202020204" pitchFamily="34" charset="0"/>
+                        </a:rPr>
+                        <a:t/>
+                      </a:r>
+                      <a:br>
+                        <a:rPr lang="en-US" sz="1050" dirty="0">
+                          <a:solidFill>
+                            <a:srgbClr val="333333"/>
+                          </a:solidFill>
+                          <a:effectLst/>
+                          <a:latin typeface="Helvetica" panose="020B0604020202020204" pitchFamily="34" charset="0"/>
+                        </a:rPr>
+                      </a:br>
+                      <a:r>
+                        <a:rPr lang="en-US" sz="1200" b="0" i="0" u="none" strike="noStrike" cap="none" dirty="0" smtClean="0">
+                          <a:solidFill>
+                            <a:srgbClr val="666666"/>
+                          </a:solidFill>
+                          <a:latin typeface="Nunito Sans"/>
+                          <a:ea typeface="Nunito Sans"/>
+                          <a:cs typeface="Nunito Sans"/>
+                          <a:sym typeface="Arial"/>
+                        </a:rPr>
+                        <a:t>Push </a:t>
+                      </a:r>
                       <a:r>
                         <a:rPr lang="en-US" sz="1200" b="0" i="0" u="none" strike="noStrike" cap="none" dirty="0">
                           <a:solidFill>
@@ -11605,55 +10145,10 @@
                           <a:cs typeface="Nunito Sans"/>
                           <a:sym typeface="Arial"/>
                         </a:rPr>
-                        <a:t>Decouples method execution from method invocation that reside in their own thread of control. The goal is to introduce concurrency, by using asynchronous method invocation and a scheduler for handling requests.</a:t>
+                        <a:t>notification </a:t>
                       </a:r>
-                    </a:p>
-                  </a:txBody>
-                  <a:tcPr marL="72000" marR="72000" marT="9525" marB="0" anchor="ctr"/>
-                </a:tc>
-              </a:tr>
-              <a:tr h="370840">
-                <a:tc rowSpan="2">
-                  <a:txBody>
-                    <a:bodyPr/>
-                    <a:lstStyle/>
-                    <a:p>
-                      <a:pPr marR="0" algn="ctr" rtl="0" fontAlgn="b">
-                        <a:lnSpc>
-                          <a:spcPct val="100000"/>
-                        </a:lnSpc>
-                        <a:spcBef>
-                          <a:spcPts val="0"/>
-                        </a:spcBef>
-                        <a:spcAft>
-                          <a:spcPts val="0"/>
-                        </a:spcAft>
-                        <a:buNone/>
-                      </a:pPr>
                       <a:r>
-                        <a:rPr lang="it-IT" sz="1600" b="0" i="1" u="none" strike="noStrike" cap="none">
-                          <a:solidFill>
-                            <a:srgbClr val="F67031"/>
-                          </a:solidFill>
-                          <a:latin typeface="Georgia"/>
-                          <a:ea typeface="Georgia"/>
-                          <a:cs typeface="Georgia"/>
-                          <a:sym typeface="Arial"/>
-                        </a:rPr>
-                        <a:t>Double-checked locking</a:t>
-                      </a:r>
-                    </a:p>
-                  </a:txBody>
-                  <a:tcPr marL="9525" marR="9525" marT="9525" marB="0" anchor="ctr"/>
-                </a:tc>
-                <a:tc>
-                  <a:txBody>
-                    <a:bodyPr/>
-                    <a:lstStyle/>
-                    <a:p>
-                      <a:pPr algn="l" fontAlgn="ctr"/>
-                      <a:r>
-                        <a:rPr lang="en-US" sz="1200" b="0" i="0" u="none" strike="noStrike" cap="none" dirty="0">
+                        <a:rPr lang="en-US" sz="1200" b="0" i="0" u="none" strike="noStrike" cap="none" dirty="0" smtClean="0">
                           <a:solidFill>
                             <a:srgbClr val="666666"/>
                           </a:solidFill>
@@ -11662,48 +10157,23 @@
                           <a:cs typeface="Nunito Sans"/>
                           <a:sym typeface="Arial"/>
                         </a:rPr>
-                        <a:t>Reduce the overhead of acquiring a lock by first testing the locking criterion (the 'lock hint') in an unsafe manner; only if that succeeds does the actual locking logic proceed.</a:t>
+                        <a:t>message</a:t>
                       </a:r>
+                      <a:endParaRPr lang="en-US" sz="1200" b="0" i="0" u="none" strike="noStrike" cap="none" dirty="0">
+                        <a:solidFill>
+                          <a:srgbClr val="666666"/>
+                        </a:solidFill>
+                        <a:latin typeface="Nunito Sans"/>
+                        <a:ea typeface="Nunito Sans"/>
+                        <a:cs typeface="Nunito Sans"/>
+                        <a:sym typeface="Arial"/>
+                      </a:endParaRPr>
                     </a:p>
                   </a:txBody>
-                  <a:tcPr marL="72000" marR="72000" marT="9525" marB="0" anchor="ctr"/>
+                  <a:tcPr marL="68580" marR="68580" marT="0" marB="0" anchor="ctr"/>
                 </a:tc>
               </a:tr>
-              <a:tr h="370840">
-                <a:tc vMerge="1">
-                  <a:txBody>
-                    <a:bodyPr/>
-                    <a:lstStyle/>
-                    <a:p>
-                      <a:endParaRPr lang="it-IT"/>
-                    </a:p>
-                  </a:txBody>
-                  <a:tcPr/>
-                </a:tc>
-                <a:tc>
-                  <a:txBody>
-                    <a:bodyPr/>
-                    <a:lstStyle/>
-                    <a:p>
-                      <a:pPr algn="l" fontAlgn="b"/>
-                      <a:r>
-                        <a:rPr lang="en-US" sz="1200" b="0" i="0" u="none" strike="noStrike" cap="none" dirty="0">
-                          <a:solidFill>
-                            <a:srgbClr val="666666"/>
-                          </a:solidFill>
-                          <a:latin typeface="Nunito Sans"/>
-                          <a:ea typeface="Nunito Sans"/>
-                          <a:cs typeface="Nunito Sans"/>
-                          <a:sym typeface="Arial"/>
-                        </a:rPr>
-                        <a:t>Can be unsafe when implemented in some language/hardware combinations. It can therefore sometimes be considered an anti-pattern.</a:t>
-                      </a:r>
-                    </a:p>
-                  </a:txBody>
-                  <a:tcPr marL="72000" marR="72000" marT="9525" marB="0" anchor="b"/>
-                </a:tc>
-              </a:tr>
-              <a:tr h="370840">
+              <a:tr h="395100">
                 <a:tc>
                   <a:txBody>
                     <a:bodyPr/>
@@ -11722,7 +10192,7 @@
                         <a:buNone/>
                       </a:pPr>
                       <a:r>
-                        <a:rPr lang="it-IT" sz="1600" b="0" i="1" u="none" strike="noStrike" cap="none">
+                        <a:rPr lang="it-IT" sz="1600" b="0" i="1" u="none" strike="noStrike" cap="none" dirty="0" smtClean="0">
                           <a:solidFill>
                             <a:srgbClr val="F67031"/>
                           </a:solidFill>
@@ -11731,8 +10201,17 @@
                           <a:cs typeface="Georgia"/>
                           <a:sym typeface="Arial"/>
                         </a:rPr>
-                        <a:t>Monitor object</a:t>
+                        <a:t>SES</a:t>
                       </a:r>
+                      <a:endParaRPr lang="it-IT" sz="1600" b="0" i="1" u="none" strike="noStrike" cap="none" dirty="0">
+                        <a:solidFill>
+                          <a:srgbClr val="F67031"/>
+                        </a:solidFill>
+                        <a:latin typeface="Georgia"/>
+                        <a:ea typeface="Georgia"/>
+                        <a:cs typeface="Georgia"/>
+                        <a:sym typeface="Arial"/>
+                      </a:endParaRPr>
                     </a:p>
                   </a:txBody>
                   <a:tcPr marL="9525" marR="9525" marT="9525" marB="0" anchor="ctr"/>
@@ -11744,7 +10223,7 @@
                     <a:p>
                       <a:pPr algn="l" fontAlgn="b"/>
                       <a:r>
-                        <a:rPr lang="en-US" sz="1200" b="0" i="0" u="none" strike="noStrike" cap="none" dirty="0">
+                        <a:rPr lang="en-US" sz="1200" b="0" i="0" u="none" strike="noStrike" cap="none" dirty="0" smtClean="0">
                           <a:solidFill>
                             <a:srgbClr val="666666"/>
                           </a:solidFill>
@@ -11753,64 +10232,7 @@
                           <a:cs typeface="Nunito Sans"/>
                           <a:sym typeface="Arial"/>
                         </a:rPr>
-                        <a:t>An object whose methods are subject to mutual exclusion, thus preventing multiple objects from erroneously trying to use it at the same time.</a:t>
-                      </a:r>
-                    </a:p>
-                  </a:txBody>
-                  <a:tcPr marL="72000" marR="72000" marT="9525" marB="0" anchor="b"/>
-                </a:tc>
-              </a:tr>
-              <a:tr h="370840">
-                <a:tc>
-                  <a:txBody>
-                    <a:bodyPr/>
-                    <a:lstStyle/>
-                    <a:p>
-                      <a:pPr marR="0" algn="ctr" rtl="0" fontAlgn="b">
-                        <a:lnSpc>
-                          <a:spcPct val="100000"/>
-                        </a:lnSpc>
-                        <a:spcBef>
-                          <a:spcPts val="0"/>
-                        </a:spcBef>
-                        <a:spcAft>
-                          <a:spcPts val="0"/>
-                        </a:spcAft>
-                        <a:buNone/>
-                      </a:pPr>
-                      <a:r>
-                        <a:rPr lang="it-IT" sz="1600" b="0" i="1" u="none" strike="noStrike" cap="none" dirty="0">
-                          <a:solidFill>
-                            <a:srgbClr val="F67031"/>
-                          </a:solidFill>
-                          <a:latin typeface="Georgia"/>
-                          <a:ea typeface="Georgia"/>
-                          <a:cs typeface="Georgia"/>
-                          <a:sym typeface="Arial"/>
-                        </a:rPr>
-                        <a:t>Reactor</a:t>
-                      </a:r>
-                    </a:p>
-                  </a:txBody>
-                  <a:tcPr marL="9525" marR="9525" marT="9525" marB="0" anchor="ctr"/>
-                </a:tc>
-                <a:tc>
-                  <a:txBody>
-                    <a:bodyPr/>
-                    <a:lstStyle/>
-                    <a:p>
-                      <a:pPr algn="l" fontAlgn="ctr"/>
-                      <a:r>
-                        <a:rPr lang="en-US" sz="1200" b="0" i="0" u="none" strike="noStrike" cap="none" dirty="0">
-                          <a:solidFill>
-                            <a:srgbClr val="666666"/>
-                          </a:solidFill>
-                          <a:latin typeface="Nunito Sans"/>
-                          <a:ea typeface="Nunito Sans"/>
-                          <a:cs typeface="Nunito Sans"/>
-                          <a:sym typeface="Arial"/>
-                        </a:rPr>
-                        <a:t>A reactor object provides an asynchronous interface to resources that must be handled synchronously.</a:t>
+                        <a:t>Send and receive e-mail</a:t>
                       </a:r>
                     </a:p>
                   </a:txBody>
@@ -11836,7 +10258,7 @@
                         <a:buNone/>
                       </a:pPr>
                       <a:r>
-                        <a:rPr lang="it-IT" sz="1600" b="0" i="1" u="none" strike="noStrike" cap="none" dirty="0">
+                        <a:rPr lang="it-IT" sz="1600" b="0" i="1" u="none" strike="noStrike" cap="none" dirty="0" smtClean="0">
                           <a:solidFill>
                             <a:srgbClr val="F67031"/>
                           </a:solidFill>
@@ -11845,8 +10267,17 @@
                           <a:cs typeface="Georgia"/>
                           <a:sym typeface="Arial"/>
                         </a:rPr>
-                        <a:t>Thread-specific storage</a:t>
+                        <a:t>SQS</a:t>
                       </a:r>
+                      <a:endParaRPr lang="it-IT" sz="1600" b="0" i="1" u="none" strike="noStrike" cap="none" dirty="0">
+                        <a:solidFill>
+                          <a:srgbClr val="F67031"/>
+                        </a:solidFill>
+                        <a:latin typeface="Georgia"/>
+                        <a:ea typeface="Georgia"/>
+                        <a:cs typeface="Georgia"/>
+                        <a:sym typeface="Arial"/>
+                      </a:endParaRPr>
                     </a:p>
                   </a:txBody>
                   <a:tcPr marL="9525" marR="9525" marT="9525" marB="0" anchor="ctr"/>
@@ -11856,9 +10287,9 @@
                     <a:bodyPr/>
                     <a:lstStyle/>
                     <a:p>
-                      <a:pPr algn="l" fontAlgn="ctr"/>
+                      <a:pPr algn="l" fontAlgn="b"/>
                       <a:r>
-                        <a:rPr lang="en-US" sz="1200" b="0" i="0" u="none" strike="noStrike" cap="none" dirty="0">
+                        <a:rPr lang="en-US" sz="1200" b="0" i="0" u="none" strike="noStrike" cap="none" dirty="0" smtClean="0">
                           <a:solidFill>
                             <a:srgbClr val="666666"/>
                           </a:solidFill>
@@ -11867,7 +10298,7 @@
                           <a:cs typeface="Nunito Sans"/>
                           <a:sym typeface="Arial"/>
                         </a:rPr>
-                        <a:t>Static or "global" memory local to a thread.</a:t>
+                        <a:t>Queue system to decoupling application</a:t>
                       </a:r>
                     </a:p>
                   </a:txBody>
@@ -11903,7 +10334,7 @@
   <p:cSld>
     <p:spTree>
       <p:nvGrpSpPr>
-        <p:cNvPr id="1" name="Shape 180"/>
+        <p:cNvPr id="1" name="Shape 142"/>
         <p:cNvGrpSpPr/>
         <p:nvPr/>
       </p:nvGrpSpPr>
@@ -11917,105 +10348,7 @@
       </p:grpSpPr>
       <p:sp>
         <p:nvSpPr>
-          <p:cNvPr id="181" name="Shape 181"/>
-          <p:cNvSpPr txBox="1">
-            <a:spLocks noGrp="1"/>
-          </p:cNvSpPr>
-          <p:nvPr>
-            <p:ph type="body" idx="1"/>
-          </p:nvPr>
-        </p:nvSpPr>
-        <p:spPr>
-          <a:xfrm>
-            <a:off x="2868190" y="575499"/>
-            <a:ext cx="6045565" cy="4370573"/>
-          </a:xfrm>
-          <a:prstGeom prst="rect">
-            <a:avLst/>
-          </a:prstGeom>
-        </p:spPr>
-        <p:txBody>
-          <a:bodyPr wrap="square" lIns="91425" tIns="91425" rIns="91425" bIns="91425" anchor="t" anchorCtr="0">
-            <a:noAutofit/>
-          </a:bodyPr>
-          <a:lstStyle/>
-          <a:p>
-            <a:pPr lvl="0" algn="just">
-              <a:buNone/>
-            </a:pPr>
-            <a:r>
-              <a:rPr lang="en-US" dirty="0" smtClean="0"/>
-              <a:t>Scripting language are born to automate </a:t>
-            </a:r>
-            <a:r>
-              <a:rPr lang="en-US" dirty="0"/>
-              <a:t>the execution of tasks that could alternatively be executed one-by-one by a human </a:t>
-            </a:r>
-            <a:r>
-              <a:rPr lang="en-US" dirty="0" smtClean="0"/>
-              <a:t>operator</a:t>
-            </a:r>
-          </a:p>
-          <a:p>
-            <a:pPr algn="just">
-              <a:buNone/>
-            </a:pPr>
-            <a:r>
-              <a:rPr lang="en-US" dirty="0"/>
-              <a:t>They are often interpreted (not compiled) and this </a:t>
-            </a:r>
-            <a:r>
-              <a:rPr lang="en-US" dirty="0" smtClean="0"/>
-              <a:t>simplifies </a:t>
-            </a:r>
-            <a:r>
-              <a:rPr lang="en-US" dirty="0"/>
-              <a:t>the </a:t>
-            </a:r>
-            <a:r>
-              <a:rPr lang="en-US" dirty="0" smtClean="0"/>
-              <a:t>development. So, they are now very popular also into the development of Web Applications and Web Server programs</a:t>
-            </a:r>
-          </a:p>
-        </p:txBody>
-      </p:sp>
-      <p:sp>
-        <p:nvSpPr>
-          <p:cNvPr id="182" name="Shape 182"/>
-          <p:cNvSpPr txBox="1">
-            <a:spLocks noGrp="1"/>
-          </p:cNvSpPr>
-          <p:nvPr>
-            <p:ph type="title"/>
-          </p:nvPr>
-        </p:nvSpPr>
-        <p:spPr>
-          <a:xfrm>
-            <a:off x="234449" y="575500"/>
-            <a:ext cx="2100889" cy="3981000"/>
-          </a:xfrm>
-          <a:prstGeom prst="rect">
-            <a:avLst/>
-          </a:prstGeom>
-        </p:spPr>
-        <p:txBody>
-          <a:bodyPr wrap="square" lIns="91425" tIns="91425" rIns="91425" bIns="91425" anchor="t" anchorCtr="0">
-            <a:noAutofit/>
-          </a:bodyPr>
-          <a:lstStyle/>
-          <a:p>
-            <a:pPr lvl="0"/>
-            <a:r>
-              <a:rPr lang="en-US" sz="2000" i="1" dirty="0" smtClean="0"/>
-              <a:t>Very high level programming language more fast to learn and to write</a:t>
-            </a:r>
-            <a:endParaRPr lang="en" sz="2000" i="1" dirty="0"/>
-          </a:p>
-        </p:txBody>
-      </p:sp>
-      <p:sp>
-        <p:nvSpPr>
-          <p:cNvPr id="184" name="Shape 184"/>
+          <p:cNvPr id="144" name="Shape 144"/>
           <p:cNvSpPr txBox="1">
             <a:spLocks noGrp="1"/>
           </p:cNvSpPr>
@@ -12024,10 +10357,6 @@
           </p:nvPr>
         </p:nvSpPr>
         <p:spPr>
-          <a:xfrm>
-            <a:off x="8556784" y="4749851"/>
-            <a:ext cx="548700" cy="393600"/>
-          </a:xfrm>
           <a:prstGeom prst="rect">
             <a:avLst/>
           </a:prstGeom>
@@ -12052,16 +10381,461 @@
           </a:p>
         </p:txBody>
       </p:sp>
+      <p:sp>
+        <p:nvSpPr>
+          <p:cNvPr id="6" name="Shape 104"/>
+          <p:cNvSpPr txBox="1">
+            <a:spLocks/>
+          </p:cNvSpPr>
+          <p:nvPr/>
+        </p:nvSpPr>
+        <p:spPr>
+          <a:xfrm>
+            <a:off x="234449" y="144726"/>
+            <a:ext cx="8514845" cy="1065704"/>
+          </a:xfrm>
+          <a:prstGeom prst="rect">
+            <a:avLst/>
+          </a:prstGeom>
+        </p:spPr>
+        <p:txBody>
+          <a:bodyPr wrap="square" lIns="91425" tIns="91425" rIns="91425" bIns="91425" anchor="t" anchorCtr="0">
+            <a:noAutofit/>
+          </a:bodyPr>
+          <a:lstStyle>
+            <a:defPPr marR="0" lvl="0" algn="l" rtl="0">
+              <a:lnSpc>
+                <a:spcPct val="100000"/>
+              </a:lnSpc>
+              <a:spcBef>
+                <a:spcPts val="0"/>
+              </a:spcBef>
+              <a:spcAft>
+                <a:spcPts val="0"/>
+              </a:spcAft>
+            </a:defPPr>
+            <a:lvl1pPr marR="0" lvl="0" algn="l" rtl="0">
+              <a:lnSpc>
+                <a:spcPct val="100000"/>
+              </a:lnSpc>
+              <a:spcBef>
+                <a:spcPts val="0"/>
+              </a:spcBef>
+              <a:spcAft>
+                <a:spcPts val="0"/>
+              </a:spcAft>
+              <a:buNone/>
+              <a:defRPr sz="1400" b="0" i="0" u="none" strike="noStrike" cap="none">
+                <a:solidFill>
+                  <a:srgbClr val="000000"/>
+                </a:solidFill>
+                <a:latin typeface="Arial"/>
+                <a:ea typeface="Arial"/>
+                <a:cs typeface="Arial"/>
+                <a:sym typeface="Arial"/>
+              </a:defRPr>
+            </a:lvl1pPr>
+          </a:lstStyle>
+          <a:p>
+            <a:pPr>
+              <a:buClr>
+                <a:srgbClr val="FFFFFF"/>
+              </a:buClr>
+              <a:buSzPts val="2400"/>
+            </a:pPr>
+            <a:r>
+              <a:rPr lang="en-US" sz="2000" i="1" dirty="0">
+                <a:solidFill>
+                  <a:srgbClr val="FFFFFF"/>
+                </a:solidFill>
+                <a:latin typeface="Nunito Sans"/>
+                <a:ea typeface="Nunito Sans"/>
+                <a:cs typeface="Nunito Sans"/>
+                <a:sym typeface="Nunito Sans"/>
+              </a:rPr>
+              <a:t>Artificial Intelligence: solving cognitive problems commonly associated with human intelligence, such as learning, problem solving, and pattern recognition</a:t>
+            </a:r>
+            <a:endParaRPr lang="en" sz="2000" i="1" dirty="0">
+              <a:solidFill>
+                <a:srgbClr val="FFFFFF"/>
+              </a:solidFill>
+              <a:latin typeface="Nunito Sans"/>
+              <a:ea typeface="Nunito Sans"/>
+              <a:cs typeface="Nunito Sans"/>
+              <a:sym typeface="Nunito Sans"/>
+            </a:endParaRPr>
+          </a:p>
+        </p:txBody>
+      </p:sp>
+      <p:graphicFrame>
+        <p:nvGraphicFramePr>
+          <p:cNvPr id="10" name="Table 9"/>
+          <p:cNvGraphicFramePr>
+            <a:graphicFrameLocks noGrp="1"/>
+          </p:cNvGraphicFramePr>
+          <p:nvPr>
+            <p:extLst>
+              <p:ext uri="{D42A27DB-BD31-4B8C-83A1-F6EECF244321}">
+                <p14:modId xmlns:p14="http://schemas.microsoft.com/office/powerpoint/2010/main" val="550051639"/>
+              </p:ext>
+            </p:extLst>
+          </p:nvPr>
+        </p:nvGraphicFramePr>
+        <p:xfrm>
+          <a:off x="1096751" y="1445881"/>
+          <a:ext cx="6949002" cy="1434596"/>
+        </p:xfrm>
+        <a:graphic>
+          <a:graphicData uri="http://schemas.openxmlformats.org/drawingml/2006/table">
+            <a:tbl>
+              <a:tblPr firstRow="1" bandRow="1">
+                <a:tableStyleId>{FA2F608D-247E-48B9-AEF1-B047CABF1DD8}</a:tableStyleId>
+              </a:tblPr>
+              <a:tblGrid>
+                <a:gridCol w="2594090"/>
+                <a:gridCol w="4354912"/>
+              </a:tblGrid>
+              <a:tr h="370840">
+                <a:tc>
+                  <a:txBody>
+                    <a:bodyPr/>
+                    <a:lstStyle/>
+                    <a:p>
+                      <a:pPr marR="0" algn="ctr" rtl="0" fontAlgn="b">
+                        <a:lnSpc>
+                          <a:spcPct val="100000"/>
+                        </a:lnSpc>
+                        <a:spcBef>
+                          <a:spcPts val="0"/>
+                        </a:spcBef>
+                        <a:spcAft>
+                          <a:spcPts val="0"/>
+                        </a:spcAft>
+                        <a:buNone/>
+                      </a:pPr>
+                      <a:r>
+                        <a:rPr lang="it-IT" sz="1600" b="0" i="1" u="none" strike="noStrike" cap="none" dirty="0" smtClean="0">
+                          <a:solidFill>
+                            <a:srgbClr val="F67031"/>
+                          </a:solidFill>
+                          <a:latin typeface="Georgia"/>
+                          <a:ea typeface="Georgia"/>
+                          <a:cs typeface="Georgia"/>
+                          <a:sym typeface="Arial"/>
+                        </a:rPr>
+                        <a:t>Lex</a:t>
+                      </a:r>
+                      <a:endParaRPr lang="it-IT" sz="1600" b="0" i="1" u="none" strike="noStrike" cap="none" dirty="0">
+                        <a:solidFill>
+                          <a:srgbClr val="F67031"/>
+                        </a:solidFill>
+                        <a:latin typeface="Georgia"/>
+                        <a:ea typeface="Georgia"/>
+                        <a:cs typeface="Georgia"/>
+                        <a:sym typeface="Arial"/>
+                      </a:endParaRPr>
+                    </a:p>
+                  </a:txBody>
+                  <a:tcPr marL="9525" marR="9525" marT="9525" marB="0" anchor="ctr"/>
+                </a:tc>
+                <a:tc>
+                  <a:txBody>
+                    <a:bodyPr/>
+                    <a:lstStyle/>
+                    <a:p>
+                      <a:r>
+                        <a:rPr lang="en-US" sz="1200" b="0" i="0" u="none" strike="noStrike" cap="none" dirty="0" smtClean="0">
+                          <a:solidFill>
+                            <a:srgbClr val="666666"/>
+                          </a:solidFill>
+                          <a:latin typeface="Nunito Sans"/>
+                          <a:ea typeface="Nunito Sans"/>
+                          <a:cs typeface="Nunito Sans"/>
+                          <a:sym typeface="Arial"/>
+                        </a:rPr>
+                        <a:t>Understand statements</a:t>
+                      </a:r>
+                      <a:endParaRPr lang="en-US" sz="1200" b="0" i="0" u="none" strike="noStrike" cap="none" dirty="0">
+                        <a:solidFill>
+                          <a:srgbClr val="666666"/>
+                        </a:solidFill>
+                        <a:latin typeface="Nunito Sans"/>
+                        <a:ea typeface="Nunito Sans"/>
+                        <a:cs typeface="Nunito Sans"/>
+                        <a:sym typeface="Arial"/>
+                      </a:endParaRPr>
+                    </a:p>
+                  </a:txBody>
+                  <a:tcPr marL="68580" marR="68580" marT="0" marB="0" anchor="ctr"/>
+                </a:tc>
+              </a:tr>
+              <a:tr h="395100">
+                <a:tc>
+                  <a:txBody>
+                    <a:bodyPr/>
+                    <a:lstStyle/>
+                    <a:p>
+                      <a:pPr marR="0" algn="ctr" rtl="0" fontAlgn="b">
+                        <a:lnSpc>
+                          <a:spcPct val="100000"/>
+                        </a:lnSpc>
+                        <a:spcBef>
+                          <a:spcPts val="0"/>
+                        </a:spcBef>
+                        <a:spcAft>
+                          <a:spcPts val="0"/>
+                        </a:spcAft>
+                        <a:buNone/>
+                      </a:pPr>
+                      <a:r>
+                        <a:rPr lang="it-IT" sz="1600" b="0" i="1" u="none" strike="noStrike" cap="none" dirty="0" smtClean="0">
+                          <a:solidFill>
+                            <a:srgbClr val="F67031"/>
+                          </a:solidFill>
+                          <a:latin typeface="Georgia"/>
+                          <a:ea typeface="Georgia"/>
+                          <a:cs typeface="Georgia"/>
+                          <a:sym typeface="Arial"/>
+                        </a:rPr>
+                        <a:t>Polly</a:t>
+                      </a:r>
+                      <a:endParaRPr lang="it-IT" sz="1600" b="0" i="1" u="none" strike="noStrike" cap="none" dirty="0">
+                        <a:solidFill>
+                          <a:srgbClr val="F67031"/>
+                        </a:solidFill>
+                        <a:latin typeface="Georgia"/>
+                        <a:ea typeface="Georgia"/>
+                        <a:cs typeface="Georgia"/>
+                        <a:sym typeface="Arial"/>
+                      </a:endParaRPr>
+                    </a:p>
+                  </a:txBody>
+                  <a:tcPr marL="9525" marR="9525" marT="9525" marB="0" anchor="ctr"/>
+                </a:tc>
+                <a:tc>
+                  <a:txBody>
+                    <a:bodyPr/>
+                    <a:lstStyle/>
+                    <a:p>
+                      <a:pPr algn="l" fontAlgn="b"/>
+                      <a:r>
+                        <a:rPr lang="en-US" sz="1200" b="0" i="0" u="none" strike="noStrike" cap="none" dirty="0" smtClean="0">
+                          <a:solidFill>
+                            <a:srgbClr val="666666"/>
+                          </a:solidFill>
+                          <a:latin typeface="Nunito Sans"/>
+                          <a:ea typeface="Nunito Sans"/>
+                          <a:cs typeface="Nunito Sans"/>
+                          <a:sym typeface="Arial"/>
+                        </a:rPr>
+                        <a:t>Turn text to voice</a:t>
+                      </a:r>
+                    </a:p>
+                  </a:txBody>
+                  <a:tcPr marL="72000" marR="72000" marT="9525" marB="0" anchor="ctr"/>
+                </a:tc>
+              </a:tr>
+              <a:tr h="370840">
+                <a:tc>
+                  <a:txBody>
+                    <a:bodyPr/>
+                    <a:lstStyle/>
+                    <a:p>
+                      <a:pPr marR="0" algn="ctr" rtl="0" fontAlgn="b">
+                        <a:lnSpc>
+                          <a:spcPct val="100000"/>
+                        </a:lnSpc>
+                        <a:spcBef>
+                          <a:spcPts val="0"/>
+                        </a:spcBef>
+                        <a:spcAft>
+                          <a:spcPts val="0"/>
+                        </a:spcAft>
+                        <a:buNone/>
+                      </a:pPr>
+                      <a:r>
+                        <a:rPr lang="it-IT" sz="1600" b="0" i="1" u="none" strike="noStrike" cap="none" dirty="0" smtClean="0">
+                          <a:solidFill>
+                            <a:srgbClr val="F67031"/>
+                          </a:solidFill>
+                          <a:latin typeface="Georgia"/>
+                          <a:ea typeface="Georgia"/>
+                          <a:cs typeface="Georgia"/>
+                          <a:sym typeface="Arial"/>
+                        </a:rPr>
+                        <a:t>Machine Learning</a:t>
+                      </a:r>
+                      <a:endParaRPr lang="it-IT" sz="1600" b="0" i="1" u="none" strike="noStrike" cap="none" dirty="0">
+                        <a:solidFill>
+                          <a:srgbClr val="F67031"/>
+                        </a:solidFill>
+                        <a:latin typeface="Georgia"/>
+                        <a:ea typeface="Georgia"/>
+                        <a:cs typeface="Georgia"/>
+                        <a:sym typeface="Arial"/>
+                      </a:endParaRPr>
+                    </a:p>
+                  </a:txBody>
+                  <a:tcPr marL="9525" marR="9525" marT="9525" marB="0" anchor="ctr"/>
+                </a:tc>
+                <a:tc>
+                  <a:txBody>
+                    <a:bodyPr/>
+                    <a:lstStyle/>
+                    <a:p>
+                      <a:r>
+                        <a:rPr lang="en-US" sz="1200" b="0" i="0" u="none" strike="noStrike" cap="none" dirty="0" smtClean="0">
+                          <a:solidFill>
+                            <a:srgbClr val="666666"/>
+                          </a:solidFill>
+                          <a:latin typeface="Nunito Sans"/>
+                          <a:ea typeface="Nunito Sans"/>
+                          <a:cs typeface="Nunito Sans"/>
+                          <a:sym typeface="Arial"/>
+                        </a:rPr>
+                        <a:t>Dataset and outcome and AWS provide forecasts</a:t>
+                      </a:r>
+                      <a:endParaRPr lang="en-US" sz="1200" b="0" i="0" u="none" strike="noStrike" cap="none" dirty="0" smtClean="0">
+                        <a:solidFill>
+                          <a:srgbClr val="666666"/>
+                        </a:solidFill>
+                        <a:latin typeface="Nunito Sans"/>
+                        <a:ea typeface="Nunito Sans"/>
+                        <a:cs typeface="Nunito Sans"/>
+                        <a:sym typeface="Arial"/>
+                      </a:endParaRPr>
+                    </a:p>
+                  </a:txBody>
+                  <a:tcPr marL="72000" marR="72000" marT="9525" marB="0" anchor="ctr"/>
+                </a:tc>
+              </a:tr>
+              <a:tr h="297816">
+                <a:tc>
+                  <a:txBody>
+                    <a:bodyPr/>
+                    <a:lstStyle/>
+                    <a:p>
+                      <a:pPr marR="0" algn="ctr" rtl="0" fontAlgn="b">
+                        <a:lnSpc>
+                          <a:spcPct val="100000"/>
+                        </a:lnSpc>
+                        <a:spcBef>
+                          <a:spcPts val="0"/>
+                        </a:spcBef>
+                        <a:spcAft>
+                          <a:spcPts val="0"/>
+                        </a:spcAft>
+                        <a:buNone/>
+                      </a:pPr>
+                      <a:r>
+                        <a:rPr lang="it-IT" sz="1600" b="0" i="1" u="none" strike="noStrike" cap="none" dirty="0" smtClean="0">
+                          <a:solidFill>
+                            <a:srgbClr val="F67031"/>
+                          </a:solidFill>
+                          <a:latin typeface="Georgia"/>
+                          <a:ea typeface="Georgia"/>
+                          <a:cs typeface="Georgia"/>
+                          <a:sym typeface="Arial"/>
+                        </a:rPr>
+                        <a:t>Rekognition</a:t>
+                      </a:r>
+                      <a:endParaRPr lang="it-IT" sz="1600" b="0" i="1" u="none" strike="noStrike" cap="none" dirty="0">
+                        <a:solidFill>
+                          <a:srgbClr val="F67031"/>
+                        </a:solidFill>
+                        <a:latin typeface="Georgia"/>
+                        <a:ea typeface="Georgia"/>
+                        <a:cs typeface="Georgia"/>
+                        <a:sym typeface="Arial"/>
+                      </a:endParaRPr>
+                    </a:p>
+                  </a:txBody>
+                  <a:tcPr marL="9525" marR="9525" marT="9525" marB="0" anchor="ctr"/>
+                </a:tc>
+                <a:tc>
+                  <a:txBody>
+                    <a:bodyPr/>
+                    <a:lstStyle/>
+                    <a:p>
+                      <a:pPr marL="0" marR="0" lvl="0" indent="0" algn="l" defTabSz="914400" rtl="0" eaLnBrk="1" fontAlgn="b" latinLnBrk="0" hangingPunct="1">
+                        <a:lnSpc>
+                          <a:spcPct val="100000"/>
+                        </a:lnSpc>
+                        <a:spcBef>
+                          <a:spcPts val="0"/>
+                        </a:spcBef>
+                        <a:spcAft>
+                          <a:spcPts val="0"/>
+                        </a:spcAft>
+                        <a:buClrTx/>
+                        <a:buSzTx/>
+                        <a:buFontTx/>
+                        <a:buNone/>
+                        <a:tabLst/>
+                        <a:defRPr/>
+                      </a:pPr>
+                      <a:r>
+                        <a:rPr lang="en-US" sz="1200" b="0" i="0" u="none" strike="noStrike" cap="none" dirty="0" smtClean="0">
+                          <a:solidFill>
+                            <a:srgbClr val="666666"/>
+                          </a:solidFill>
+                          <a:latin typeface="Nunito Sans"/>
+                          <a:ea typeface="Nunito Sans"/>
+                          <a:cs typeface="Nunito Sans"/>
+                          <a:sym typeface="Arial"/>
+                        </a:rPr>
+                        <a:t>Understand what is in a picture (</a:t>
+                      </a:r>
+                      <a:r>
+                        <a:rPr lang="en-US" sz="1200" b="0" i="0" u="none" strike="noStrike" cap="none" dirty="0" err="1" smtClean="0">
+                          <a:solidFill>
+                            <a:srgbClr val="666666"/>
+                          </a:solidFill>
+                          <a:latin typeface="Nunito Sans"/>
+                          <a:ea typeface="Nunito Sans"/>
+                          <a:cs typeface="Nunito Sans"/>
+                          <a:sym typeface="Arial"/>
+                        </a:rPr>
+                        <a:t>e.g</a:t>
+                      </a:r>
+                      <a:r>
+                        <a:rPr lang="en-US" sz="1200" b="0" i="0" u="none" strike="noStrike" cap="none" dirty="0" smtClean="0">
+                          <a:solidFill>
+                            <a:srgbClr val="666666"/>
+                          </a:solidFill>
+                          <a:latin typeface="Nunito Sans"/>
+                          <a:ea typeface="Nunito Sans"/>
+                          <a:cs typeface="Nunito Sans"/>
+                          <a:sym typeface="Arial"/>
+                        </a:rPr>
+                        <a:t> face recognition)</a:t>
+                      </a:r>
+                    </a:p>
+                  </a:txBody>
+                  <a:tcPr marL="72000" marR="72000" marT="9525" marB="0" anchor="ctr"/>
+                </a:tc>
+              </a:tr>
+            </a:tbl>
+          </a:graphicData>
+        </a:graphic>
+      </p:graphicFrame>
     </p:spTree>
     <p:extLst>
       <p:ext uri="{BB962C8B-B14F-4D97-AF65-F5344CB8AC3E}">
-        <p14:creationId xmlns:p14="http://schemas.microsoft.com/office/powerpoint/2010/main" val="3735715334"/>
+        <p14:creationId xmlns:p14="http://schemas.microsoft.com/office/powerpoint/2010/main" val="605227429"/>
       </p:ext>
     </p:extLst>
   </p:cSld>
   <p:clrMapOvr>
     <a:masterClrMapping/>
   </p:clrMapOvr>
+  <p:timing>
+    <p:tnLst>
+      <p:par>
+        <p:cTn id="1" dur="indefinite" restart="never" nodeType="tmRoot"/>
+      </p:par>
+    </p:tnLst>
+  </p:timing>
 </p:sld>
 </file>
 
@@ -16052,28 +14826,12 @@
               <a:buNone/>
             </a:pPr>
             <a:r>
-              <a:rPr lang="en" i="1" dirty="0" smtClean="0">
-                <a:solidFill>
-                  <a:srgbClr val="FFFFFF"/>
-                </a:solidFill>
-              </a:rPr>
-              <a:t>Programming Task List W</a:t>
-            </a:r>
-            <a:r>
               <a:rPr lang="it-IT" i="1" dirty="0" smtClean="0">
                 <a:solidFill>
                   <a:srgbClr val="FFFFFF"/>
                 </a:solidFill>
               </a:rPr>
-              <a:t>e</a:t>
-            </a:r>
-            <a:r>
-              <a:rPr lang="en" i="1" dirty="0" smtClean="0">
-                <a:solidFill>
-                  <a:srgbClr val="FFFFFF"/>
-                </a:solidFill>
-              </a:rPr>
-              <a:t>b App</a:t>
+              <a:t>Store notes in AWS </a:t>
             </a:r>
             <a:endParaRPr lang="en" i="1" dirty="0">
               <a:solidFill>
